--- a/GWAC-powerpoint.pptx
+++ b/GWAC-powerpoint.pptx
@@ -4,13 +4,18 @@
   <p:sldMasterIdLst>
     <p:sldMasterId id="2147483648" r:id="rId1"/>
   </p:sldMasterIdLst>
+  <p:notesMasterIdLst>
+    <p:notesMasterId r:id="rId10"/>
+  </p:notesMasterIdLst>
   <p:sldIdLst>
     <p:sldId id="256" r:id="rId2"/>
-    <p:sldId id="257" r:id="rId3"/>
-    <p:sldId id="258" r:id="rId4"/>
+    <p:sldId id="263" r:id="rId3"/>
+    <p:sldId id="257" r:id="rId4"/>
     <p:sldId id="259" r:id="rId5"/>
     <p:sldId id="260" r:id="rId6"/>
     <p:sldId id="261" r:id="rId7"/>
+    <p:sldId id="262" r:id="rId8"/>
+    <p:sldId id="264" r:id="rId9"/>
   </p:sldIdLst>
   <p:sldSz cx="12192000" cy="6858000"/>
   <p:notesSz cx="6858000" cy="9144000"/>
@@ -109,7 +114,362 @@
       </a:defRPr>
     </a:lvl9pPr>
   </p:defaultTextStyle>
+  <p:extLst>
+    <p:ext uri="{EFAFB233-063F-42B5-8137-9DF3F51BA10A}">
+      <p15:sldGuideLst xmlns:p15="http://schemas.microsoft.com/office/powerpoint/2012/main"/>
+    </p:ext>
+  </p:extLst>
 </p:presentation>
+</file>
+
+<file path=ppt/notesMasters/notesMaster1.xml><?xml version="1.0" encoding="utf-8"?>
+<p:notesMaster xmlns:a="http://schemas.openxmlformats.org/drawingml/2006/main" xmlns:r="http://schemas.openxmlformats.org/officeDocument/2006/relationships" xmlns:p="http://schemas.openxmlformats.org/presentationml/2006/main">
+  <p:cSld>
+    <p:bg>
+      <p:bgRef idx="1001">
+        <a:schemeClr val="bg1"/>
+      </p:bgRef>
+    </p:bg>
+    <p:spTree>
+      <p:nvGrpSpPr>
+        <p:cNvPr id="1" name=""/>
+        <p:cNvGrpSpPr/>
+        <p:nvPr/>
+      </p:nvGrpSpPr>
+      <p:grpSpPr>
+        <a:xfrm>
+          <a:off x="0" y="0"/>
+          <a:ext cx="0" cy="0"/>
+          <a:chOff x="0" y="0"/>
+          <a:chExt cx="0" cy="0"/>
+        </a:xfrm>
+      </p:grpSpPr>
+      <p:sp>
+        <p:nvSpPr>
+          <p:cNvPr id="2" name="Header Placeholder 1"/>
+          <p:cNvSpPr>
+            <a:spLocks noGrp="1"/>
+          </p:cNvSpPr>
+          <p:nvPr>
+            <p:ph type="hdr" sz="quarter"/>
+          </p:nvPr>
+        </p:nvSpPr>
+        <p:spPr>
+          <a:xfrm>
+            <a:off x="0" y="0"/>
+            <a:ext cx="2971800" cy="458788"/>
+          </a:xfrm>
+          <a:prstGeom prst="rect">
+            <a:avLst/>
+          </a:prstGeom>
+        </p:spPr>
+        <p:txBody>
+          <a:bodyPr vert="horz" lIns="91440" tIns="45720" rIns="91440" bIns="45720" rtlCol="0"/>
+          <a:lstStyle>
+            <a:lvl1pPr algn="l">
+              <a:defRPr sz="1200"/>
+            </a:lvl1pPr>
+          </a:lstStyle>
+          <a:p>
+            <a:endParaRPr lang="en-KE"/>
+          </a:p>
+        </p:txBody>
+      </p:sp>
+      <p:sp>
+        <p:nvSpPr>
+          <p:cNvPr id="3" name="Date Placeholder 2"/>
+          <p:cNvSpPr>
+            <a:spLocks noGrp="1"/>
+          </p:cNvSpPr>
+          <p:nvPr>
+            <p:ph type="dt" idx="1"/>
+          </p:nvPr>
+        </p:nvSpPr>
+        <p:spPr>
+          <a:xfrm>
+            <a:off x="3884613" y="0"/>
+            <a:ext cx="2971800" cy="458788"/>
+          </a:xfrm>
+          <a:prstGeom prst="rect">
+            <a:avLst/>
+          </a:prstGeom>
+        </p:spPr>
+        <p:txBody>
+          <a:bodyPr vert="horz" lIns="91440" tIns="45720" rIns="91440" bIns="45720" rtlCol="0"/>
+          <a:lstStyle>
+            <a:lvl1pPr algn="r">
+              <a:defRPr sz="1200"/>
+            </a:lvl1pPr>
+          </a:lstStyle>
+          <a:p>
+            <a:fld id="{B29067E1-FE7E-7F46-9F16-3243B5606A01}" type="datetimeFigureOut">
+              <a:rPr lang="en-KE" smtClean="0"/>
+              <a:t>27/09/2024</a:t>
+            </a:fld>
+            <a:endParaRPr lang="en-KE"/>
+          </a:p>
+        </p:txBody>
+      </p:sp>
+      <p:sp>
+        <p:nvSpPr>
+          <p:cNvPr id="4" name="Slide Image Placeholder 3"/>
+          <p:cNvSpPr>
+            <a:spLocks noGrp="1" noRot="1" noChangeAspect="1"/>
+          </p:cNvSpPr>
+          <p:nvPr>
+            <p:ph type="sldImg" idx="2"/>
+          </p:nvPr>
+        </p:nvSpPr>
+        <p:spPr>
+          <a:xfrm>
+            <a:off x="685800" y="1143000"/>
+            <a:ext cx="5486400" cy="3086100"/>
+          </a:xfrm>
+          <a:prstGeom prst="rect">
+            <a:avLst/>
+          </a:prstGeom>
+          <a:noFill/>
+          <a:ln w="12700">
+            <a:solidFill>
+              <a:prstClr val="black"/>
+            </a:solidFill>
+          </a:ln>
+        </p:spPr>
+        <p:txBody>
+          <a:bodyPr vert="horz" lIns="91440" tIns="45720" rIns="91440" bIns="45720" rtlCol="0" anchor="ctr"/>
+          <a:lstStyle/>
+          <a:p>
+            <a:endParaRPr lang="en-KE"/>
+          </a:p>
+        </p:txBody>
+      </p:sp>
+      <p:sp>
+        <p:nvSpPr>
+          <p:cNvPr id="5" name="Notes Placeholder 4"/>
+          <p:cNvSpPr>
+            <a:spLocks noGrp="1"/>
+          </p:cNvSpPr>
+          <p:nvPr>
+            <p:ph type="body" sz="quarter" idx="3"/>
+          </p:nvPr>
+        </p:nvSpPr>
+        <p:spPr>
+          <a:xfrm>
+            <a:off x="685800" y="4400550"/>
+            <a:ext cx="5486400" cy="3600450"/>
+          </a:xfrm>
+          <a:prstGeom prst="rect">
+            <a:avLst/>
+          </a:prstGeom>
+        </p:spPr>
+        <p:txBody>
+          <a:bodyPr vert="horz" lIns="91440" tIns="45720" rIns="91440" bIns="45720" rtlCol="0"/>
+          <a:lstStyle/>
+          <a:p>
+            <a:pPr lvl="0"/>
+            <a:r>
+              <a:rPr lang="en-GB"/>
+              <a:t>Click to edit Master text styles</a:t>
+            </a:r>
+          </a:p>
+          <a:p>
+            <a:pPr lvl="1"/>
+            <a:r>
+              <a:rPr lang="en-GB"/>
+              <a:t>Second level</a:t>
+            </a:r>
+          </a:p>
+          <a:p>
+            <a:pPr lvl="2"/>
+            <a:r>
+              <a:rPr lang="en-GB"/>
+              <a:t>Third level</a:t>
+            </a:r>
+          </a:p>
+          <a:p>
+            <a:pPr lvl="3"/>
+            <a:r>
+              <a:rPr lang="en-GB"/>
+              <a:t>Fourth level</a:t>
+            </a:r>
+          </a:p>
+          <a:p>
+            <a:pPr lvl="4"/>
+            <a:r>
+              <a:rPr lang="en-GB"/>
+              <a:t>Fifth level</a:t>
+            </a:r>
+            <a:endParaRPr lang="en-KE"/>
+          </a:p>
+        </p:txBody>
+      </p:sp>
+      <p:sp>
+        <p:nvSpPr>
+          <p:cNvPr id="6" name="Footer Placeholder 5"/>
+          <p:cNvSpPr>
+            <a:spLocks noGrp="1"/>
+          </p:cNvSpPr>
+          <p:nvPr>
+            <p:ph type="ftr" sz="quarter" idx="4"/>
+          </p:nvPr>
+        </p:nvSpPr>
+        <p:spPr>
+          <a:xfrm>
+            <a:off x="0" y="8685213"/>
+            <a:ext cx="2971800" cy="458787"/>
+          </a:xfrm>
+          <a:prstGeom prst="rect">
+            <a:avLst/>
+          </a:prstGeom>
+        </p:spPr>
+        <p:txBody>
+          <a:bodyPr vert="horz" lIns="91440" tIns="45720" rIns="91440" bIns="45720" rtlCol="0" anchor="b"/>
+          <a:lstStyle>
+            <a:lvl1pPr algn="l">
+              <a:defRPr sz="1200"/>
+            </a:lvl1pPr>
+          </a:lstStyle>
+          <a:p>
+            <a:endParaRPr lang="en-KE"/>
+          </a:p>
+        </p:txBody>
+      </p:sp>
+      <p:sp>
+        <p:nvSpPr>
+          <p:cNvPr id="7" name="Slide Number Placeholder 6"/>
+          <p:cNvSpPr>
+            <a:spLocks noGrp="1"/>
+          </p:cNvSpPr>
+          <p:nvPr>
+            <p:ph type="sldNum" sz="quarter" idx="5"/>
+          </p:nvPr>
+        </p:nvSpPr>
+        <p:spPr>
+          <a:xfrm>
+            <a:off x="3884613" y="8685213"/>
+            <a:ext cx="2971800" cy="458787"/>
+          </a:xfrm>
+          <a:prstGeom prst="rect">
+            <a:avLst/>
+          </a:prstGeom>
+        </p:spPr>
+        <p:txBody>
+          <a:bodyPr vert="horz" lIns="91440" tIns="45720" rIns="91440" bIns="45720" rtlCol="0" anchor="b"/>
+          <a:lstStyle>
+            <a:lvl1pPr algn="r">
+              <a:defRPr sz="1200"/>
+            </a:lvl1pPr>
+          </a:lstStyle>
+          <a:p>
+            <a:fld id="{C37C9403-6EC3-2D41-AC39-BE3EBB290323}" type="slidenum">
+              <a:rPr lang="en-KE" smtClean="0"/>
+              <a:t>‹#›</a:t>
+            </a:fld>
+            <a:endParaRPr lang="en-KE"/>
+          </a:p>
+        </p:txBody>
+      </p:sp>
+    </p:spTree>
+    <p:extLst>
+      <p:ext uri="{BB962C8B-B14F-4D97-AF65-F5344CB8AC3E}">
+        <p14:creationId xmlns:p14="http://schemas.microsoft.com/office/powerpoint/2010/main" val="3334259540"/>
+      </p:ext>
+    </p:extLst>
+  </p:cSld>
+  <p:clrMap bg1="lt1" tx1="dk1" bg2="lt2" tx2="dk2" accent1="accent1" accent2="accent2" accent3="accent3" accent4="accent4" accent5="accent5" accent6="accent6" hlink="hlink" folHlink="folHlink"/>
+  <p:notesStyle>
+    <a:lvl1pPr marL="0" algn="l" defTabSz="914400" rtl="0" eaLnBrk="1" latinLnBrk="0" hangingPunct="1">
+      <a:defRPr sz="1200" kern="1200">
+        <a:solidFill>
+          <a:schemeClr val="tx1"/>
+        </a:solidFill>
+        <a:latin typeface="+mn-lt"/>
+        <a:ea typeface="+mn-ea"/>
+        <a:cs typeface="+mn-cs"/>
+      </a:defRPr>
+    </a:lvl1pPr>
+    <a:lvl2pPr marL="457200" algn="l" defTabSz="914400" rtl="0" eaLnBrk="1" latinLnBrk="0" hangingPunct="1">
+      <a:defRPr sz="1200" kern="1200">
+        <a:solidFill>
+          <a:schemeClr val="tx1"/>
+        </a:solidFill>
+        <a:latin typeface="+mn-lt"/>
+        <a:ea typeface="+mn-ea"/>
+        <a:cs typeface="+mn-cs"/>
+      </a:defRPr>
+    </a:lvl2pPr>
+    <a:lvl3pPr marL="914400" algn="l" defTabSz="914400" rtl="0" eaLnBrk="1" latinLnBrk="0" hangingPunct="1">
+      <a:defRPr sz="1200" kern="1200">
+        <a:solidFill>
+          <a:schemeClr val="tx1"/>
+        </a:solidFill>
+        <a:latin typeface="+mn-lt"/>
+        <a:ea typeface="+mn-ea"/>
+        <a:cs typeface="+mn-cs"/>
+      </a:defRPr>
+    </a:lvl3pPr>
+    <a:lvl4pPr marL="1371600" algn="l" defTabSz="914400" rtl="0" eaLnBrk="1" latinLnBrk="0" hangingPunct="1">
+      <a:defRPr sz="1200" kern="1200">
+        <a:solidFill>
+          <a:schemeClr val="tx1"/>
+        </a:solidFill>
+        <a:latin typeface="+mn-lt"/>
+        <a:ea typeface="+mn-ea"/>
+        <a:cs typeface="+mn-cs"/>
+      </a:defRPr>
+    </a:lvl4pPr>
+    <a:lvl5pPr marL="1828800" algn="l" defTabSz="914400" rtl="0" eaLnBrk="1" latinLnBrk="0" hangingPunct="1">
+      <a:defRPr sz="1200" kern="1200">
+        <a:solidFill>
+          <a:schemeClr val="tx1"/>
+        </a:solidFill>
+        <a:latin typeface="+mn-lt"/>
+        <a:ea typeface="+mn-ea"/>
+        <a:cs typeface="+mn-cs"/>
+      </a:defRPr>
+    </a:lvl5pPr>
+    <a:lvl6pPr marL="2286000" algn="l" defTabSz="914400" rtl="0" eaLnBrk="1" latinLnBrk="0" hangingPunct="1">
+      <a:defRPr sz="1200" kern="1200">
+        <a:solidFill>
+          <a:schemeClr val="tx1"/>
+        </a:solidFill>
+        <a:latin typeface="+mn-lt"/>
+        <a:ea typeface="+mn-ea"/>
+        <a:cs typeface="+mn-cs"/>
+      </a:defRPr>
+    </a:lvl6pPr>
+    <a:lvl7pPr marL="2743200" algn="l" defTabSz="914400" rtl="0" eaLnBrk="1" latinLnBrk="0" hangingPunct="1">
+      <a:defRPr sz="1200" kern="1200">
+        <a:solidFill>
+          <a:schemeClr val="tx1"/>
+        </a:solidFill>
+        <a:latin typeface="+mn-lt"/>
+        <a:ea typeface="+mn-ea"/>
+        <a:cs typeface="+mn-cs"/>
+      </a:defRPr>
+    </a:lvl7pPr>
+    <a:lvl8pPr marL="3200400" algn="l" defTabSz="914400" rtl="0" eaLnBrk="1" latinLnBrk="0" hangingPunct="1">
+      <a:defRPr sz="1200" kern="1200">
+        <a:solidFill>
+          <a:schemeClr val="tx1"/>
+        </a:solidFill>
+        <a:latin typeface="+mn-lt"/>
+        <a:ea typeface="+mn-ea"/>
+        <a:cs typeface="+mn-cs"/>
+      </a:defRPr>
+    </a:lvl8pPr>
+    <a:lvl9pPr marL="3657600" algn="l" defTabSz="914400" rtl="0" eaLnBrk="1" latinLnBrk="0" hangingPunct="1">
+      <a:defRPr sz="1200" kern="1200">
+        <a:solidFill>
+          <a:schemeClr val="tx1"/>
+        </a:solidFill>
+        <a:latin typeface="+mn-lt"/>
+        <a:ea typeface="+mn-ea"/>
+        <a:cs typeface="+mn-cs"/>
+      </a:defRPr>
+    </a:lvl9pPr>
+  </p:notesStyle>
+</p:notesMaster>
 </file>
 
 <file path=ppt/slideLayouts/slideLayout1.xml><?xml version="1.0" encoding="utf-8"?>
@@ -259,9 +619,9 @@
           <a:bodyPr/>
           <a:lstStyle/>
           <a:p>
-            <a:fld id="{C785AE62-240D-A942-A721-ABE2D2007E96}" type="datetimeFigureOut">
-              <a:rPr lang="en-KE" smtClean="0"/>
-              <a:t>26/09/2024</a:t>
+            <a:fld id="{B7CD2FD5-C30F-B244-95CB-19A446956910}" type="datetime1">
+              <a:rPr lang="en-US" smtClean="0"/>
+              <a:t>9/27/24</a:t>
             </a:fld>
             <a:endParaRPr lang="en-KE"/>
           </a:p>
@@ -459,9 +819,9 @@
           <a:bodyPr/>
           <a:lstStyle/>
           <a:p>
-            <a:fld id="{C785AE62-240D-A942-A721-ABE2D2007E96}" type="datetimeFigureOut">
-              <a:rPr lang="en-KE" smtClean="0"/>
-              <a:t>26/09/2024</a:t>
+            <a:fld id="{34D6CB2D-58BC-CD43-BABE-BFE18D40D27D}" type="datetime1">
+              <a:rPr lang="en-US" smtClean="0"/>
+              <a:t>9/27/24</a:t>
             </a:fld>
             <a:endParaRPr lang="en-KE"/>
           </a:p>
@@ -669,9 +1029,9 @@
           <a:bodyPr/>
           <a:lstStyle/>
           <a:p>
-            <a:fld id="{C785AE62-240D-A942-A721-ABE2D2007E96}" type="datetimeFigureOut">
-              <a:rPr lang="en-KE" smtClean="0"/>
-              <a:t>26/09/2024</a:t>
+            <a:fld id="{0F6074A9-9C2B-DE43-B6BF-ACA2F27676D0}" type="datetime1">
+              <a:rPr lang="en-US" smtClean="0"/>
+              <a:t>9/27/24</a:t>
             </a:fld>
             <a:endParaRPr lang="en-KE"/>
           </a:p>
@@ -869,9 +1229,9 @@
           <a:bodyPr/>
           <a:lstStyle/>
           <a:p>
-            <a:fld id="{C785AE62-240D-A942-A721-ABE2D2007E96}" type="datetimeFigureOut">
-              <a:rPr lang="en-KE" smtClean="0"/>
-              <a:t>26/09/2024</a:t>
+            <a:fld id="{2A21A63D-8FF3-5447-9B30-D50B7CAD9A25}" type="datetime1">
+              <a:rPr lang="en-US" smtClean="0"/>
+              <a:t>9/27/24</a:t>
             </a:fld>
             <a:endParaRPr lang="en-KE"/>
           </a:p>
@@ -1145,9 +1505,9 @@
           <a:bodyPr/>
           <a:lstStyle/>
           <a:p>
-            <a:fld id="{C785AE62-240D-A942-A721-ABE2D2007E96}" type="datetimeFigureOut">
-              <a:rPr lang="en-KE" smtClean="0"/>
-              <a:t>26/09/2024</a:t>
+            <a:fld id="{81CD9953-44F8-4D41-864E-DC5FB02F2E6F}" type="datetime1">
+              <a:rPr lang="en-US" smtClean="0"/>
+              <a:t>9/27/24</a:t>
             </a:fld>
             <a:endParaRPr lang="en-KE"/>
           </a:p>
@@ -1413,9 +1773,9 @@
           <a:bodyPr/>
           <a:lstStyle/>
           <a:p>
-            <a:fld id="{C785AE62-240D-A942-A721-ABE2D2007E96}" type="datetimeFigureOut">
-              <a:rPr lang="en-KE" smtClean="0"/>
-              <a:t>26/09/2024</a:t>
+            <a:fld id="{6BA91DDC-BDD7-E04B-9026-70C1A7B60739}" type="datetime1">
+              <a:rPr lang="en-US" smtClean="0"/>
+              <a:t>9/27/24</a:t>
             </a:fld>
             <a:endParaRPr lang="en-KE"/>
           </a:p>
@@ -1828,9 +2188,9 @@
           <a:bodyPr/>
           <a:lstStyle/>
           <a:p>
-            <a:fld id="{C785AE62-240D-A942-A721-ABE2D2007E96}" type="datetimeFigureOut">
-              <a:rPr lang="en-KE" smtClean="0"/>
-              <a:t>26/09/2024</a:t>
+            <a:fld id="{5EF6E3D9-C05E-3445-8538-ACC91851F924}" type="datetime1">
+              <a:rPr lang="en-US" smtClean="0"/>
+              <a:t>9/27/24</a:t>
             </a:fld>
             <a:endParaRPr lang="en-KE"/>
           </a:p>
@@ -1970,9 +2330,9 @@
           <a:bodyPr/>
           <a:lstStyle/>
           <a:p>
-            <a:fld id="{C785AE62-240D-A942-A721-ABE2D2007E96}" type="datetimeFigureOut">
-              <a:rPr lang="en-KE" smtClean="0"/>
-              <a:t>26/09/2024</a:t>
+            <a:fld id="{044E27BE-E048-424E-AF27-BDC8B45374D4}" type="datetime1">
+              <a:rPr lang="en-US" smtClean="0"/>
+              <a:t>9/27/24</a:t>
             </a:fld>
             <a:endParaRPr lang="en-KE"/>
           </a:p>
@@ -2083,9 +2443,9 @@
           <a:bodyPr/>
           <a:lstStyle/>
           <a:p>
-            <a:fld id="{C785AE62-240D-A942-A721-ABE2D2007E96}" type="datetimeFigureOut">
-              <a:rPr lang="en-KE" smtClean="0"/>
-              <a:t>26/09/2024</a:t>
+            <a:fld id="{8AD20904-B9F4-ED43-91E1-F7883E9AC82D}" type="datetime1">
+              <a:rPr lang="en-US" smtClean="0"/>
+              <a:t>9/27/24</a:t>
             </a:fld>
             <a:endParaRPr lang="en-KE"/>
           </a:p>
@@ -2396,9 +2756,9 @@
           <a:bodyPr/>
           <a:lstStyle/>
           <a:p>
-            <a:fld id="{C785AE62-240D-A942-A721-ABE2D2007E96}" type="datetimeFigureOut">
-              <a:rPr lang="en-KE" smtClean="0"/>
-              <a:t>26/09/2024</a:t>
+            <a:fld id="{80D4156F-E1B6-2C4B-8386-D147200AFF8F}" type="datetime1">
+              <a:rPr lang="en-US" smtClean="0"/>
+              <a:t>9/27/24</a:t>
             </a:fld>
             <a:endParaRPr lang="en-KE"/>
           </a:p>
@@ -2685,9 +3045,9 @@
           <a:bodyPr/>
           <a:lstStyle/>
           <a:p>
-            <a:fld id="{C785AE62-240D-A942-A721-ABE2D2007E96}" type="datetimeFigureOut">
-              <a:rPr lang="en-KE" smtClean="0"/>
-              <a:t>26/09/2024</a:t>
+            <a:fld id="{501F4591-6B5C-F141-9F69-F1CF0D6EBA6E}" type="datetime1">
+              <a:rPr lang="en-US" smtClean="0"/>
+              <a:t>9/27/24</a:t>
             </a:fld>
             <a:endParaRPr lang="en-KE"/>
           </a:p>
@@ -2928,9 +3288,9 @@
             </a:lvl1pPr>
           </a:lstStyle>
           <a:p>
-            <a:fld id="{C785AE62-240D-A942-A721-ABE2D2007E96}" type="datetimeFigureOut">
-              <a:rPr lang="en-KE" smtClean="0"/>
-              <a:t>26/09/2024</a:t>
+            <a:fld id="{A40EF68A-3D74-CB4F-B4D0-4F12A65CF93F}" type="datetime1">
+              <a:rPr lang="en-US" smtClean="0"/>
+              <a:t>9/27/24</a:t>
             </a:fld>
             <a:endParaRPr lang="en-KE"/>
           </a:p>
@@ -3047,6 +3407,7 @@
     <p:sldLayoutId id="2147483658" r:id="rId10"/>
     <p:sldLayoutId id="2147483659" r:id="rId11"/>
   </p:sldLayoutIdLst>
+  <p:hf hdr="0" ftr="0"/>
   <p:txStyles>
     <p:titleStyle>
       <a:lvl1pPr algn="l" defTabSz="914400" rtl="0" eaLnBrk="1" latinLnBrk="0" hangingPunct="1">
@@ -3363,14 +3724,19 @@
             <p:ph type="ctrTitle"/>
           </p:nvPr>
         </p:nvSpPr>
-        <p:spPr/>
+        <p:spPr>
+          <a:xfrm>
+            <a:off x="5930899" y="714100"/>
+            <a:ext cx="5359401" cy="1106487"/>
+          </a:xfrm>
+        </p:spPr>
         <p:txBody>
           <a:bodyPr/>
           <a:lstStyle/>
           <a:p>
             <a:r>
-              <a:rPr lang="en-KE" dirty="0"/>
-              <a:t>Group 6</a:t>
+              <a:rPr lang="en-KE" b="1" dirty="0"/>
+              <a:t>GROUP 6</a:t>
             </a:r>
           </a:p>
         </p:txBody>
@@ -3391,18 +3757,804 @@
             <p:ph type="subTitle" idx="1"/>
           </p:nvPr>
         </p:nvSpPr>
+        <p:spPr>
+          <a:xfrm>
+            <a:off x="6364289" y="2487614"/>
+            <a:ext cx="5359400" cy="1106486"/>
+          </a:xfrm>
+        </p:spPr>
+        <p:txBody>
+          <a:bodyPr>
+            <a:normAutofit fontScale="92500"/>
+          </a:bodyPr>
+          <a:lstStyle/>
+          <a:p>
+            <a:r>
+              <a:rPr lang="en-KE" sz="3200" dirty="0"/>
+              <a:t>MODELLING FOR PANDEMIC PREPAREDNESS AND RESPONSE</a:t>
+            </a:r>
+          </a:p>
+        </p:txBody>
+      </p:sp>
+      <p:graphicFrame>
+        <p:nvGraphicFramePr>
+          <p:cNvPr id="7" name="Table 7">
+            <a:extLst>
+              <a:ext uri="{FF2B5EF4-FFF2-40B4-BE49-F238E27FC236}">
+                <a16:creationId xmlns:a16="http://schemas.microsoft.com/office/drawing/2014/main" id="{AFF6B147-61E0-2A0F-6C34-271FF1A95E61}"/>
+              </a:ext>
+            </a:extLst>
+          </p:cNvPr>
+          <p:cNvGraphicFramePr>
+            <a:graphicFrameLocks noGrp="1"/>
+          </p:cNvGraphicFramePr>
+          <p:nvPr>
+            <p:extLst>
+              <p:ext uri="{D42A27DB-BD31-4B8C-83A1-F6EECF244321}">
+                <p14:modId xmlns:p14="http://schemas.microsoft.com/office/powerpoint/2010/main" val="862004179"/>
+              </p:ext>
+            </p:extLst>
+          </p:nvPr>
+        </p:nvGraphicFramePr>
+        <p:xfrm>
+          <a:off x="5930898" y="5308361"/>
+          <a:ext cx="6261101" cy="1455897"/>
+        </p:xfrm>
+        <a:graphic>
+          <a:graphicData uri="http://schemas.openxmlformats.org/drawingml/2006/table">
+            <a:tbl>
+              <a:tblPr firstRow="1" bandRow="1">
+                <a:tableStyleId>{5940675A-B579-460E-94D1-54222C63F5DA}</a:tableStyleId>
+              </a:tblPr>
+              <a:tblGrid>
+                <a:gridCol w="3265955">
+                  <a:extLst>
+                    <a:ext uri="{9D8B030D-6E8A-4147-A177-3AD203B41FA5}">
+                      <a16:colId xmlns:a16="http://schemas.microsoft.com/office/drawing/2014/main" val="1147741026"/>
+                    </a:ext>
+                  </a:extLst>
+                </a:gridCol>
+                <a:gridCol w="2995146">
+                  <a:extLst>
+                    <a:ext uri="{9D8B030D-6E8A-4147-A177-3AD203B41FA5}">
+                      <a16:colId xmlns:a16="http://schemas.microsoft.com/office/drawing/2014/main" val="2404689344"/>
+                    </a:ext>
+                  </a:extLst>
+                </a:gridCol>
+              </a:tblGrid>
+              <a:tr h="485299">
+                <a:tc gridSpan="2">
+                  <a:txBody>
+                    <a:bodyPr/>
+                    <a:lstStyle/>
+                    <a:p>
+                      <a:pPr algn="ctr"/>
+                      <a:r>
+                        <a:rPr lang="en-KE" b="1" dirty="0"/>
+                        <a:t>GROUP MEMBERS  </a:t>
+                      </a:r>
+                    </a:p>
+                  </a:txBody>
+                  <a:tcPr anchor="ctr">
+                    <a:lnL w="12700" cap="flat" cmpd="sng" algn="ctr">
+                      <a:noFill/>
+                      <a:prstDash val="solid"/>
+                      <a:round/>
+                      <a:headEnd type="none" w="med" len="med"/>
+                      <a:tailEnd type="none" w="med" len="med"/>
+                    </a:lnL>
+                    <a:lnR w="12700" cap="flat" cmpd="sng" algn="ctr">
+                      <a:noFill/>
+                      <a:prstDash val="solid"/>
+                      <a:round/>
+                      <a:headEnd type="none" w="med" len="med"/>
+                      <a:tailEnd type="none" w="med" len="med"/>
+                    </a:lnR>
+                    <a:lnT w="12700" cap="flat" cmpd="sng" algn="ctr">
+                      <a:noFill/>
+                      <a:prstDash val="solid"/>
+                      <a:round/>
+                      <a:headEnd type="none" w="med" len="med"/>
+                      <a:tailEnd type="none" w="med" len="med"/>
+                    </a:lnT>
+                    <a:lnB w="12700" cap="flat" cmpd="sng" algn="ctr">
+                      <a:noFill/>
+                      <a:prstDash val="solid"/>
+                      <a:round/>
+                      <a:headEnd type="none" w="med" len="med"/>
+                      <a:tailEnd type="none" w="med" len="med"/>
+                    </a:lnB>
+                    <a:lnTlToBr w="12700" cmpd="sng">
+                      <a:noFill/>
+                      <a:prstDash val="solid"/>
+                    </a:lnTlToBr>
+                    <a:lnBlToTr w="12700" cmpd="sng">
+                      <a:noFill/>
+                      <a:prstDash val="solid"/>
+                    </a:lnBlToTr>
+                  </a:tcPr>
+                </a:tc>
+                <a:tc hMerge="1">
+                  <a:txBody>
+                    <a:bodyPr/>
+                    <a:lstStyle/>
+                    <a:p>
+                      <a:pPr algn="l"/>
+                      <a:endParaRPr lang="en-KE" dirty="0"/>
+                    </a:p>
+                  </a:txBody>
+                  <a:tcPr>
+                    <a:lnL w="12700" cap="flat" cmpd="sng" algn="ctr">
+                      <a:noFill/>
+                      <a:prstDash val="solid"/>
+                      <a:round/>
+                      <a:headEnd type="none" w="med" len="med"/>
+                      <a:tailEnd type="none" w="med" len="med"/>
+                    </a:lnL>
+                    <a:lnR w="12700" cap="flat" cmpd="sng" algn="ctr">
+                      <a:noFill/>
+                      <a:prstDash val="solid"/>
+                      <a:round/>
+                      <a:headEnd type="none" w="med" len="med"/>
+                      <a:tailEnd type="none" w="med" len="med"/>
+                    </a:lnR>
+                    <a:lnT w="12700" cap="flat" cmpd="sng" algn="ctr">
+                      <a:noFill/>
+                      <a:prstDash val="solid"/>
+                      <a:round/>
+                      <a:headEnd type="none" w="med" len="med"/>
+                      <a:tailEnd type="none" w="med" len="med"/>
+                    </a:lnT>
+                    <a:lnB w="12700" cap="flat" cmpd="sng" algn="ctr">
+                      <a:noFill/>
+                      <a:prstDash val="solid"/>
+                      <a:round/>
+                      <a:headEnd type="none" w="med" len="med"/>
+                      <a:tailEnd type="none" w="med" len="med"/>
+                    </a:lnB>
+                    <a:lnTlToBr w="12700" cmpd="sng">
+                      <a:noFill/>
+                      <a:prstDash val="solid"/>
+                    </a:lnTlToBr>
+                    <a:lnBlToTr w="12700" cmpd="sng">
+                      <a:noFill/>
+                      <a:prstDash val="solid"/>
+                    </a:lnBlToTr>
+                  </a:tcPr>
+                </a:tc>
+                <a:extLst>
+                  <a:ext uri="{0D108BD9-81ED-4DB2-BD59-A6C34878D82A}">
+                    <a16:rowId xmlns:a16="http://schemas.microsoft.com/office/drawing/2014/main" val="15881838"/>
+                  </a:ext>
+                </a:extLst>
+              </a:tr>
+              <a:tr h="485299">
+                <a:tc>
+                  <a:txBody>
+                    <a:bodyPr/>
+                    <a:lstStyle/>
+                    <a:p>
+                      <a:pPr marL="0" marR="0" lvl="0" indent="0" algn="l" defTabSz="914400" rtl="0" eaLnBrk="1" fontAlgn="auto" latinLnBrk="0" hangingPunct="1">
+                        <a:lnSpc>
+                          <a:spcPct val="100000"/>
+                        </a:lnSpc>
+                        <a:spcBef>
+                          <a:spcPts val="0"/>
+                        </a:spcBef>
+                        <a:spcAft>
+                          <a:spcPts val="0"/>
+                        </a:spcAft>
+                        <a:buClrTx/>
+                        <a:buSzTx/>
+                        <a:buFontTx/>
+                        <a:buNone/>
+                        <a:tabLst/>
+                        <a:defRPr/>
+                      </a:pPr>
+                      <a:r>
+                        <a:rPr lang="en-GB" dirty="0"/>
+                        <a:t>Charlene N. T. </a:t>
+                      </a:r>
+                      <a:r>
+                        <a:rPr lang="en-GB" dirty="0" err="1"/>
+                        <a:t>Mfangnia</a:t>
+                      </a:r>
+                      <a:r>
+                        <a:rPr lang="en-GB" dirty="0"/>
+                        <a:t> </a:t>
+                      </a:r>
+                    </a:p>
+                  </a:txBody>
+                  <a:tcPr>
+                    <a:lnL w="12700" cap="flat" cmpd="sng" algn="ctr">
+                      <a:noFill/>
+                      <a:prstDash val="solid"/>
+                      <a:round/>
+                      <a:headEnd type="none" w="med" len="med"/>
+                      <a:tailEnd type="none" w="med" len="med"/>
+                    </a:lnL>
+                    <a:lnR w="12700" cap="flat" cmpd="sng" algn="ctr">
+                      <a:noFill/>
+                      <a:prstDash val="solid"/>
+                      <a:round/>
+                      <a:headEnd type="none" w="med" len="med"/>
+                      <a:tailEnd type="none" w="med" len="med"/>
+                    </a:lnR>
+                    <a:lnT w="12700" cap="flat" cmpd="sng" algn="ctr">
+                      <a:noFill/>
+                      <a:prstDash val="solid"/>
+                      <a:round/>
+                      <a:headEnd type="none" w="med" len="med"/>
+                      <a:tailEnd type="none" w="med" len="med"/>
+                    </a:lnT>
+                    <a:lnB w="12700" cap="flat" cmpd="sng" algn="ctr">
+                      <a:noFill/>
+                      <a:prstDash val="solid"/>
+                      <a:round/>
+                      <a:headEnd type="none" w="med" len="med"/>
+                      <a:tailEnd type="none" w="med" len="med"/>
+                    </a:lnB>
+                    <a:lnTlToBr w="12700" cmpd="sng">
+                      <a:noFill/>
+                      <a:prstDash val="solid"/>
+                    </a:lnTlToBr>
+                    <a:lnBlToTr w="12700" cmpd="sng">
+                      <a:noFill/>
+                      <a:prstDash val="solid"/>
+                    </a:lnBlToTr>
+                  </a:tcPr>
+                </a:tc>
+                <a:tc>
+                  <a:txBody>
+                    <a:bodyPr/>
+                    <a:lstStyle/>
+                    <a:p>
+                      <a:pPr marL="0" marR="0" lvl="0" indent="0" algn="r" defTabSz="914400" rtl="0" eaLnBrk="1" fontAlgn="auto" latinLnBrk="0" hangingPunct="1">
+                        <a:lnSpc>
+                          <a:spcPct val="100000"/>
+                        </a:lnSpc>
+                        <a:spcBef>
+                          <a:spcPts val="0"/>
+                        </a:spcBef>
+                        <a:spcAft>
+                          <a:spcPts val="0"/>
+                        </a:spcAft>
+                        <a:buClrTx/>
+                        <a:buSzTx/>
+                        <a:buFontTx/>
+                        <a:buNone/>
+                        <a:tabLst/>
+                        <a:defRPr/>
+                      </a:pPr>
+                      <a:r>
+                        <a:rPr lang="en-GB" dirty="0" err="1"/>
+                        <a:t>Nabwana</a:t>
+                      </a:r>
+                      <a:r>
+                        <a:rPr lang="en-GB" dirty="0"/>
+                        <a:t>, Martin</a:t>
+                      </a:r>
+                    </a:p>
+                  </a:txBody>
+                  <a:tcPr>
+                    <a:lnL w="12700" cap="flat" cmpd="sng" algn="ctr">
+                      <a:noFill/>
+                      <a:prstDash val="solid"/>
+                      <a:round/>
+                      <a:headEnd type="none" w="med" len="med"/>
+                      <a:tailEnd type="none" w="med" len="med"/>
+                    </a:lnL>
+                    <a:lnR w="12700" cap="flat" cmpd="sng" algn="ctr">
+                      <a:noFill/>
+                      <a:prstDash val="solid"/>
+                      <a:round/>
+                      <a:headEnd type="none" w="med" len="med"/>
+                      <a:tailEnd type="none" w="med" len="med"/>
+                    </a:lnR>
+                    <a:lnT w="12700" cap="flat" cmpd="sng" algn="ctr">
+                      <a:noFill/>
+                      <a:prstDash val="solid"/>
+                      <a:round/>
+                      <a:headEnd type="none" w="med" len="med"/>
+                      <a:tailEnd type="none" w="med" len="med"/>
+                    </a:lnT>
+                    <a:lnB w="12700" cap="flat" cmpd="sng" algn="ctr">
+                      <a:noFill/>
+                      <a:prstDash val="solid"/>
+                      <a:round/>
+                      <a:headEnd type="none" w="med" len="med"/>
+                      <a:tailEnd type="none" w="med" len="med"/>
+                    </a:lnB>
+                    <a:lnTlToBr w="12700" cmpd="sng">
+                      <a:noFill/>
+                      <a:prstDash val="solid"/>
+                    </a:lnTlToBr>
+                    <a:lnBlToTr w="12700" cmpd="sng">
+                      <a:noFill/>
+                      <a:prstDash val="solid"/>
+                    </a:lnBlToTr>
+                  </a:tcPr>
+                </a:tc>
+                <a:extLst>
+                  <a:ext uri="{0D108BD9-81ED-4DB2-BD59-A6C34878D82A}">
+                    <a16:rowId xmlns:a16="http://schemas.microsoft.com/office/drawing/2014/main" val="1548086559"/>
+                  </a:ext>
+                </a:extLst>
+              </a:tr>
+              <a:tr h="485299">
+                <a:tc>
+                  <a:txBody>
+                    <a:bodyPr/>
+                    <a:lstStyle/>
+                    <a:p>
+                      <a:pPr marL="0" marR="0" lvl="0" indent="0" algn="l" defTabSz="914400" rtl="0" eaLnBrk="1" fontAlgn="auto" latinLnBrk="0" hangingPunct="1">
+                        <a:lnSpc>
+                          <a:spcPct val="100000"/>
+                        </a:lnSpc>
+                        <a:spcBef>
+                          <a:spcPts val="0"/>
+                        </a:spcBef>
+                        <a:spcAft>
+                          <a:spcPts val="0"/>
+                        </a:spcAft>
+                        <a:buClrTx/>
+                        <a:buSzTx/>
+                        <a:buFontTx/>
+                        <a:buNone/>
+                        <a:tabLst/>
+                        <a:defRPr/>
+                      </a:pPr>
+                      <a:r>
+                        <a:rPr lang="en-GB" dirty="0"/>
+                        <a:t>Solomon </a:t>
+                      </a:r>
+                      <a:r>
+                        <a:rPr lang="en-GB" dirty="0" err="1"/>
+                        <a:t>Idan</a:t>
+                      </a:r>
+                      <a:r>
+                        <a:rPr lang="en-GB" dirty="0"/>
+                        <a:t> </a:t>
+                      </a:r>
+                    </a:p>
+                  </a:txBody>
+                  <a:tcPr>
+                    <a:lnL w="12700" cap="flat" cmpd="sng" algn="ctr">
+                      <a:noFill/>
+                      <a:prstDash val="solid"/>
+                      <a:round/>
+                      <a:headEnd type="none" w="med" len="med"/>
+                      <a:tailEnd type="none" w="med" len="med"/>
+                    </a:lnL>
+                    <a:lnR w="12700" cap="flat" cmpd="sng" algn="ctr">
+                      <a:noFill/>
+                      <a:prstDash val="solid"/>
+                      <a:round/>
+                      <a:headEnd type="none" w="med" len="med"/>
+                      <a:tailEnd type="none" w="med" len="med"/>
+                    </a:lnR>
+                    <a:lnT w="12700" cap="flat" cmpd="sng" algn="ctr">
+                      <a:noFill/>
+                      <a:prstDash val="solid"/>
+                      <a:round/>
+                      <a:headEnd type="none" w="med" len="med"/>
+                      <a:tailEnd type="none" w="med" len="med"/>
+                    </a:lnT>
+                    <a:lnB w="12700" cap="flat" cmpd="sng" algn="ctr">
+                      <a:noFill/>
+                      <a:prstDash val="solid"/>
+                      <a:round/>
+                      <a:headEnd type="none" w="med" len="med"/>
+                      <a:tailEnd type="none" w="med" len="med"/>
+                    </a:lnB>
+                    <a:lnTlToBr w="12700" cmpd="sng">
+                      <a:noFill/>
+                      <a:prstDash val="solid"/>
+                    </a:lnTlToBr>
+                    <a:lnBlToTr w="12700" cmpd="sng">
+                      <a:noFill/>
+                      <a:prstDash val="solid"/>
+                    </a:lnBlToTr>
+                  </a:tcPr>
+                </a:tc>
+                <a:tc>
+                  <a:txBody>
+                    <a:bodyPr/>
+                    <a:lstStyle/>
+                    <a:p>
+                      <a:pPr marL="0" marR="0" lvl="0" indent="0" algn="r" defTabSz="914400" rtl="0" eaLnBrk="1" fontAlgn="auto" latinLnBrk="0" hangingPunct="1">
+                        <a:lnSpc>
+                          <a:spcPct val="100000"/>
+                        </a:lnSpc>
+                        <a:spcBef>
+                          <a:spcPts val="0"/>
+                        </a:spcBef>
+                        <a:spcAft>
+                          <a:spcPts val="0"/>
+                        </a:spcAft>
+                        <a:buClrTx/>
+                        <a:buSzTx/>
+                        <a:buFontTx/>
+                        <a:buNone/>
+                        <a:tabLst/>
+                        <a:defRPr/>
+                      </a:pPr>
+                      <a:r>
+                        <a:rPr lang="en-GB" dirty="0" err="1"/>
+                        <a:t>Mouhamadou</a:t>
+                      </a:r>
+                      <a:r>
+                        <a:rPr lang="en-GB" dirty="0"/>
+                        <a:t> </a:t>
+                      </a:r>
+                      <a:r>
+                        <a:rPr lang="en-GB" dirty="0" err="1"/>
+                        <a:t>Djima</a:t>
+                      </a:r>
+                      <a:r>
+                        <a:rPr lang="en-GB" dirty="0"/>
+                        <a:t> </a:t>
+                      </a:r>
+                      <a:r>
+                        <a:rPr lang="en-GB" dirty="0" err="1"/>
+                        <a:t>Baranon</a:t>
+                      </a:r>
+                      <a:endParaRPr lang="en-GB" dirty="0"/>
+                    </a:p>
+                  </a:txBody>
+                  <a:tcPr>
+                    <a:lnL w="12700" cap="flat" cmpd="sng" algn="ctr">
+                      <a:noFill/>
+                      <a:prstDash val="solid"/>
+                      <a:round/>
+                      <a:headEnd type="none" w="med" len="med"/>
+                      <a:tailEnd type="none" w="med" len="med"/>
+                    </a:lnL>
+                    <a:lnR w="12700" cap="flat" cmpd="sng" algn="ctr">
+                      <a:noFill/>
+                      <a:prstDash val="solid"/>
+                      <a:round/>
+                      <a:headEnd type="none" w="med" len="med"/>
+                      <a:tailEnd type="none" w="med" len="med"/>
+                    </a:lnR>
+                    <a:lnT w="12700" cap="flat" cmpd="sng" algn="ctr">
+                      <a:noFill/>
+                      <a:prstDash val="solid"/>
+                      <a:round/>
+                      <a:headEnd type="none" w="med" len="med"/>
+                      <a:tailEnd type="none" w="med" len="med"/>
+                    </a:lnT>
+                    <a:lnB w="12700" cap="flat" cmpd="sng" algn="ctr">
+                      <a:noFill/>
+                      <a:prstDash val="solid"/>
+                      <a:round/>
+                      <a:headEnd type="none" w="med" len="med"/>
+                      <a:tailEnd type="none" w="med" len="med"/>
+                    </a:lnB>
+                    <a:lnTlToBr w="12700" cmpd="sng">
+                      <a:noFill/>
+                      <a:prstDash val="solid"/>
+                    </a:lnTlToBr>
+                    <a:lnBlToTr w="12700" cmpd="sng">
+                      <a:noFill/>
+                      <a:prstDash val="solid"/>
+                    </a:lnBlToTr>
+                  </a:tcPr>
+                </a:tc>
+                <a:extLst>
+                  <a:ext uri="{0D108BD9-81ED-4DB2-BD59-A6C34878D82A}">
+                    <a16:rowId xmlns:a16="http://schemas.microsoft.com/office/drawing/2014/main" val="2411987087"/>
+                  </a:ext>
+                </a:extLst>
+              </a:tr>
+            </a:tbl>
+          </a:graphicData>
+        </a:graphic>
+      </p:graphicFrame>
+      <p:sp>
+        <p:nvSpPr>
+          <p:cNvPr id="8" name="Subtitle 2">
+            <a:extLst>
+              <a:ext uri="{FF2B5EF4-FFF2-40B4-BE49-F238E27FC236}">
+                <a16:creationId xmlns:a16="http://schemas.microsoft.com/office/drawing/2014/main" id="{62C60A8E-F4B9-6EBC-DFC5-08A78920B5A0}"/>
+              </a:ext>
+            </a:extLst>
+          </p:cNvPr>
+          <p:cNvSpPr txBox="1">
+            <a:spLocks/>
+          </p:cNvSpPr>
+          <p:nvPr/>
+        </p:nvSpPr>
+        <p:spPr>
+          <a:xfrm>
+            <a:off x="6096000" y="3897987"/>
+            <a:ext cx="5359400" cy="1106486"/>
+          </a:xfrm>
+          <a:prstGeom prst="rect">
+            <a:avLst/>
+          </a:prstGeom>
+        </p:spPr>
+        <p:txBody>
+          <a:bodyPr vert="horz" lIns="91440" tIns="45720" rIns="91440" bIns="45720" rtlCol="0">
+            <a:normAutofit/>
+          </a:bodyPr>
+          <a:lstStyle>
+            <a:lvl1pPr marL="0" indent="0" algn="ctr" defTabSz="914400" rtl="0" eaLnBrk="1" latinLnBrk="0" hangingPunct="1">
+              <a:lnSpc>
+                <a:spcPct val="90000"/>
+              </a:lnSpc>
+              <a:spcBef>
+                <a:spcPts val="1000"/>
+              </a:spcBef>
+              <a:buFont typeface="Arial" panose="020B0604020202020204" pitchFamily="34" charset="0"/>
+              <a:buNone/>
+              <a:defRPr sz="2400" kern="1200">
+                <a:solidFill>
+                  <a:schemeClr val="tx1"/>
+                </a:solidFill>
+                <a:latin typeface="+mn-lt"/>
+                <a:ea typeface="+mn-ea"/>
+                <a:cs typeface="+mn-cs"/>
+              </a:defRPr>
+            </a:lvl1pPr>
+            <a:lvl2pPr marL="457200" indent="0" algn="ctr" defTabSz="914400" rtl="0" eaLnBrk="1" latinLnBrk="0" hangingPunct="1">
+              <a:lnSpc>
+                <a:spcPct val="90000"/>
+              </a:lnSpc>
+              <a:spcBef>
+                <a:spcPts val="500"/>
+              </a:spcBef>
+              <a:buFont typeface="Arial" panose="020B0604020202020204" pitchFamily="34" charset="0"/>
+              <a:buNone/>
+              <a:defRPr sz="2000" kern="1200">
+                <a:solidFill>
+                  <a:schemeClr val="tx1"/>
+                </a:solidFill>
+                <a:latin typeface="+mn-lt"/>
+                <a:ea typeface="+mn-ea"/>
+                <a:cs typeface="+mn-cs"/>
+              </a:defRPr>
+            </a:lvl2pPr>
+            <a:lvl3pPr marL="914400" indent="0" algn="ctr" defTabSz="914400" rtl="0" eaLnBrk="1" latinLnBrk="0" hangingPunct="1">
+              <a:lnSpc>
+                <a:spcPct val="90000"/>
+              </a:lnSpc>
+              <a:spcBef>
+                <a:spcPts val="500"/>
+              </a:spcBef>
+              <a:buFont typeface="Arial" panose="020B0604020202020204" pitchFamily="34" charset="0"/>
+              <a:buNone/>
+              <a:defRPr sz="1800" kern="1200">
+                <a:solidFill>
+                  <a:schemeClr val="tx1"/>
+                </a:solidFill>
+                <a:latin typeface="+mn-lt"/>
+                <a:ea typeface="+mn-ea"/>
+                <a:cs typeface="+mn-cs"/>
+              </a:defRPr>
+            </a:lvl3pPr>
+            <a:lvl4pPr marL="1371600" indent="0" algn="ctr" defTabSz="914400" rtl="0" eaLnBrk="1" latinLnBrk="0" hangingPunct="1">
+              <a:lnSpc>
+                <a:spcPct val="90000"/>
+              </a:lnSpc>
+              <a:spcBef>
+                <a:spcPts val="500"/>
+              </a:spcBef>
+              <a:buFont typeface="Arial" panose="020B0604020202020204" pitchFamily="34" charset="0"/>
+              <a:buNone/>
+              <a:defRPr sz="1600" kern="1200">
+                <a:solidFill>
+                  <a:schemeClr val="tx1"/>
+                </a:solidFill>
+                <a:latin typeface="+mn-lt"/>
+                <a:ea typeface="+mn-ea"/>
+                <a:cs typeface="+mn-cs"/>
+              </a:defRPr>
+            </a:lvl4pPr>
+            <a:lvl5pPr marL="1828800" indent="0" algn="ctr" defTabSz="914400" rtl="0" eaLnBrk="1" latinLnBrk="0" hangingPunct="1">
+              <a:lnSpc>
+                <a:spcPct val="90000"/>
+              </a:lnSpc>
+              <a:spcBef>
+                <a:spcPts val="500"/>
+              </a:spcBef>
+              <a:buFont typeface="Arial" panose="020B0604020202020204" pitchFamily="34" charset="0"/>
+              <a:buNone/>
+              <a:defRPr sz="1600" kern="1200">
+                <a:solidFill>
+                  <a:schemeClr val="tx1"/>
+                </a:solidFill>
+                <a:latin typeface="+mn-lt"/>
+                <a:ea typeface="+mn-ea"/>
+                <a:cs typeface="+mn-cs"/>
+              </a:defRPr>
+            </a:lvl5pPr>
+            <a:lvl6pPr marL="2286000" indent="0" algn="ctr" defTabSz="914400" rtl="0" eaLnBrk="1" latinLnBrk="0" hangingPunct="1">
+              <a:lnSpc>
+                <a:spcPct val="90000"/>
+              </a:lnSpc>
+              <a:spcBef>
+                <a:spcPts val="500"/>
+              </a:spcBef>
+              <a:buFont typeface="Arial" panose="020B0604020202020204" pitchFamily="34" charset="0"/>
+              <a:buNone/>
+              <a:defRPr sz="1600" kern="1200">
+                <a:solidFill>
+                  <a:schemeClr val="tx1"/>
+                </a:solidFill>
+                <a:latin typeface="+mn-lt"/>
+                <a:ea typeface="+mn-ea"/>
+                <a:cs typeface="+mn-cs"/>
+              </a:defRPr>
+            </a:lvl6pPr>
+            <a:lvl7pPr marL="2743200" indent="0" algn="ctr" defTabSz="914400" rtl="0" eaLnBrk="1" latinLnBrk="0" hangingPunct="1">
+              <a:lnSpc>
+                <a:spcPct val="90000"/>
+              </a:lnSpc>
+              <a:spcBef>
+                <a:spcPts val="500"/>
+              </a:spcBef>
+              <a:buFont typeface="Arial" panose="020B0604020202020204" pitchFamily="34" charset="0"/>
+              <a:buNone/>
+              <a:defRPr sz="1600" kern="1200">
+                <a:solidFill>
+                  <a:schemeClr val="tx1"/>
+                </a:solidFill>
+                <a:latin typeface="+mn-lt"/>
+                <a:ea typeface="+mn-ea"/>
+                <a:cs typeface="+mn-cs"/>
+              </a:defRPr>
+            </a:lvl7pPr>
+            <a:lvl8pPr marL="3200400" indent="0" algn="ctr" defTabSz="914400" rtl="0" eaLnBrk="1" latinLnBrk="0" hangingPunct="1">
+              <a:lnSpc>
+                <a:spcPct val="90000"/>
+              </a:lnSpc>
+              <a:spcBef>
+                <a:spcPts val="500"/>
+              </a:spcBef>
+              <a:buFont typeface="Arial" panose="020B0604020202020204" pitchFamily="34" charset="0"/>
+              <a:buNone/>
+              <a:defRPr sz="1600" kern="1200">
+                <a:solidFill>
+                  <a:schemeClr val="tx1"/>
+                </a:solidFill>
+                <a:latin typeface="+mn-lt"/>
+                <a:ea typeface="+mn-ea"/>
+                <a:cs typeface="+mn-cs"/>
+              </a:defRPr>
+            </a:lvl8pPr>
+            <a:lvl9pPr marL="3657600" indent="0" algn="ctr" defTabSz="914400" rtl="0" eaLnBrk="1" latinLnBrk="0" hangingPunct="1">
+              <a:lnSpc>
+                <a:spcPct val="90000"/>
+              </a:lnSpc>
+              <a:spcBef>
+                <a:spcPts val="500"/>
+              </a:spcBef>
+              <a:buFont typeface="Arial" panose="020B0604020202020204" pitchFamily="34" charset="0"/>
+              <a:buNone/>
+              <a:defRPr sz="1600" kern="1200">
+                <a:solidFill>
+                  <a:schemeClr val="tx1"/>
+                </a:solidFill>
+                <a:latin typeface="+mn-lt"/>
+                <a:ea typeface="+mn-ea"/>
+                <a:cs typeface="+mn-cs"/>
+              </a:defRPr>
+            </a:lvl9pPr>
+          </a:lstStyle>
+          <a:p>
+            <a:r>
+              <a:rPr lang="en-KE" dirty="0"/>
+              <a:t>MODELLING OF MPOX IN DRC</a:t>
+            </a:r>
+          </a:p>
+        </p:txBody>
+      </p:sp>
+      <p:sp>
+        <p:nvSpPr>
+          <p:cNvPr id="9" name="Date Placeholder 8">
+            <a:extLst>
+              <a:ext uri="{FF2B5EF4-FFF2-40B4-BE49-F238E27FC236}">
+                <a16:creationId xmlns:a16="http://schemas.microsoft.com/office/drawing/2014/main" id="{83DE73DC-B16D-0CC2-CF6F-357CBC540737}"/>
+              </a:ext>
+            </a:extLst>
+          </p:cNvPr>
+          <p:cNvSpPr>
+            <a:spLocks noGrp="1"/>
+          </p:cNvSpPr>
+          <p:nvPr>
+            <p:ph type="dt" sz="half" idx="10"/>
+          </p:nvPr>
+        </p:nvSpPr>
         <p:spPr/>
         <p:txBody>
           <a:bodyPr/>
           <a:lstStyle/>
           <a:p>
-            <a:r>
-              <a:rPr lang="en-KE" dirty="0"/>
-              <a:t>Modelling for pandemic preparedness and response</a:t>
-            </a:r>
-          </a:p>
-        </p:txBody>
-      </p:sp>
+            <a:fld id="{9C3F5432-4149-3B41-8187-B4F2B6BC057C}" type="datetime1">
+              <a:rPr lang="en-US" smtClean="0"/>
+              <a:t>9/27/24</a:t>
+            </a:fld>
+            <a:endParaRPr lang="en-KE"/>
+          </a:p>
+        </p:txBody>
+      </p:sp>
+      <p:sp>
+        <p:nvSpPr>
+          <p:cNvPr id="10" name="Slide Number Placeholder 9">
+            <a:extLst>
+              <a:ext uri="{FF2B5EF4-FFF2-40B4-BE49-F238E27FC236}">
+                <a16:creationId xmlns:a16="http://schemas.microsoft.com/office/drawing/2014/main" id="{0BEA7D11-D9F0-6563-E251-2C8A4340D816}"/>
+              </a:ext>
+            </a:extLst>
+          </p:cNvPr>
+          <p:cNvSpPr>
+            <a:spLocks noGrp="1"/>
+          </p:cNvSpPr>
+          <p:nvPr>
+            <p:ph type="sldNum" sz="quarter" idx="12"/>
+          </p:nvPr>
+        </p:nvSpPr>
+        <p:spPr/>
+        <p:txBody>
+          <a:bodyPr/>
+          <a:lstStyle/>
+          <a:p>
+            <a:fld id="{A5834505-F213-7D40-82C5-3145D0148C0F}" type="slidenum">
+              <a:rPr lang="en-KE" smtClean="0"/>
+              <a:t>1</a:t>
+            </a:fld>
+            <a:endParaRPr lang="en-KE"/>
+          </a:p>
+        </p:txBody>
+      </p:sp>
+      <p:pic>
+        <p:nvPicPr>
+          <p:cNvPr id="1030" name="Picture 6" descr="Monkeypox">
+            <a:extLst>
+              <a:ext uri="{FF2B5EF4-FFF2-40B4-BE49-F238E27FC236}">
+                <a16:creationId xmlns:a16="http://schemas.microsoft.com/office/drawing/2014/main" id="{C5577E50-A269-FF9D-7927-5DF9BC06493E}"/>
+              </a:ext>
+            </a:extLst>
+          </p:cNvPr>
+          <p:cNvPicPr>
+            <a:picLocks noChangeAspect="1" noChangeArrowheads="1"/>
+          </p:cNvPicPr>
+          <p:nvPr/>
+        </p:nvPicPr>
+        <p:blipFill>
+          <a:blip r:embed="rId2">
+            <a:extLst>
+              <a:ext uri="{28A0092B-C50C-407E-A947-70E740481C1C}">
+                <a14:useLocalDpi xmlns:a14="http://schemas.microsoft.com/office/drawing/2010/main" val="0"/>
+              </a:ext>
+            </a:extLst>
+          </a:blip>
+          <a:srcRect/>
+          <a:stretch>
+            <a:fillRect/>
+          </a:stretch>
+        </p:blipFill>
+        <p:spPr bwMode="auto">
+          <a:xfrm>
+            <a:off x="468311" y="1267343"/>
+            <a:ext cx="4675209" cy="4486275"/>
+          </a:xfrm>
+          <a:prstGeom prst="rect">
+            <a:avLst/>
+          </a:prstGeom>
+          <a:noFill/>
+          <a:extLst>
+            <a:ext uri="{909E8E84-426E-40DD-AFC4-6F175D3DCCD1}">
+              <a14:hiddenFill xmlns:a14="http://schemas.microsoft.com/office/drawing/2010/main">
+                <a:solidFill>
+                  <a:srgbClr val="FFFFFF"/>
+                </a:solidFill>
+              </a14:hiddenFill>
+            </a:ext>
+          </a:extLst>
+        </p:spPr>
+      </p:pic>
     </p:spTree>
     <p:extLst>
       <p:ext uri="{BB962C8B-B14F-4D97-AF65-F5344CB8AC3E}">
@@ -3419,6 +4571,14 @@
 <file path=ppt/slides/slide2.xml><?xml version="1.0" encoding="utf-8"?>
 <p:sld xmlns:a="http://schemas.openxmlformats.org/drawingml/2006/main" xmlns:r="http://schemas.openxmlformats.org/officeDocument/2006/relationships" xmlns:p="http://schemas.openxmlformats.org/presentationml/2006/main">
   <p:cSld>
+    <p:bg>
+      <p:bgPr>
+        <a:solidFill>
+          <a:schemeClr val="bg1"/>
+        </a:solidFill>
+        <a:effectLst/>
+      </p:bgPr>
+    </p:bg>
     <p:spTree>
       <p:nvGrpSpPr>
         <p:cNvPr id="1" name=""/>
@@ -3433,12 +4593,454 @@
           <a:chExt cx="0" cy="0"/>
         </a:xfrm>
       </p:grpSpPr>
+      <p:sp useBgFill="1">
+        <p:nvSpPr>
+          <p:cNvPr id="15" name="Rectangle 14">
+            <a:extLst>
+              <a:ext uri="{FF2B5EF4-FFF2-40B4-BE49-F238E27FC236}">
+                <a16:creationId xmlns:a16="http://schemas.microsoft.com/office/drawing/2014/main" id="{231BF440-39FA-4087-84CC-2EEC0BBDAF29}"/>
+              </a:ext>
+              <a:ext uri="{C183D7F6-B498-43B3-948B-1728B52AA6E4}">
+                <adec:decorative xmlns:adec="http://schemas.microsoft.com/office/drawing/2017/decorative" val="1"/>
+              </a:ext>
+            </a:extLst>
+          </p:cNvPr>
+          <p:cNvSpPr>
+            <a:spLocks noGrp="1" noRot="1" noChangeAspect="1" noMove="1" noResize="1" noEditPoints="1" noAdjustHandles="1" noChangeArrowheads="1" noChangeShapeType="1" noTextEdit="1"/>
+          </p:cNvSpPr>
+          <p:nvPr>
+            <p:extLst>
+              <p:ext uri="{386F3935-93C4-4BCD-93E2-E3B085C9AB24}">
+                <p16:designElem xmlns:p16="http://schemas.microsoft.com/office/powerpoint/2015/main" val="1"/>
+              </p:ext>
+            </p:extLst>
+          </p:nvPr>
+        </p:nvSpPr>
+        <p:spPr>
+          <a:xfrm>
+            <a:off x="0" y="0"/>
+            <a:ext cx="12192000" cy="6858000"/>
+          </a:xfrm>
+          <a:prstGeom prst="rect">
+            <a:avLst/>
+          </a:prstGeom>
+          <a:ln>
+            <a:noFill/>
+          </a:ln>
+        </p:spPr>
+        <p:style>
+          <a:lnRef idx="2">
+            <a:schemeClr val="accent1">
+              <a:shade val="50000"/>
+            </a:schemeClr>
+          </a:lnRef>
+          <a:fillRef idx="1">
+            <a:schemeClr val="accent1"/>
+          </a:fillRef>
+          <a:effectRef idx="0">
+            <a:schemeClr val="accent1"/>
+          </a:effectRef>
+          <a:fontRef idx="minor">
+            <a:schemeClr val="lt1"/>
+          </a:fontRef>
+        </p:style>
+        <p:txBody>
+          <a:bodyPr rtlCol="0" anchor="ctr"/>
+          <a:lstStyle/>
+          <a:p>
+            <a:pPr algn="ctr"/>
+            <a:endParaRPr lang="en-US"/>
+          </a:p>
+        </p:txBody>
+      </p:sp>
+      <p:pic>
+        <p:nvPicPr>
+          <p:cNvPr id="10" name="Picture 2" descr="Top 10 Things You Should Know About Mpox — Features — The Guardian Nigeria  News – Nigeria and World News">
+            <a:extLst>
+              <a:ext uri="{FF2B5EF4-FFF2-40B4-BE49-F238E27FC236}">
+                <a16:creationId xmlns:a16="http://schemas.microsoft.com/office/drawing/2014/main" id="{E6A80614-4C83-F287-1D38-B71FDC56012F}"/>
+              </a:ext>
+            </a:extLst>
+          </p:cNvPr>
+          <p:cNvPicPr>
+            <a:picLocks noChangeAspect="1" noChangeArrowheads="1"/>
+          </p:cNvPicPr>
+          <p:nvPr/>
+        </p:nvPicPr>
+        <p:blipFill>
+          <a:blip r:embed="rId2">
+            <a:extLst>
+              <a:ext uri="{28A0092B-C50C-407E-A947-70E740481C1C}">
+                <a14:useLocalDpi xmlns:a14="http://schemas.microsoft.com/office/drawing/2010/main" val="0"/>
+              </a:ext>
+            </a:extLst>
+          </a:blip>
+          <a:srcRect t="16760" r="-2" b="1391"/>
+          <a:stretch/>
+        </p:blipFill>
+        <p:spPr bwMode="auto">
+          <a:xfrm>
+            <a:off x="4883025" y="10"/>
+            <a:ext cx="6859432" cy="3029889"/>
+          </a:xfrm>
+          <a:custGeom>
+            <a:avLst/>
+            <a:gdLst/>
+            <a:ahLst/>
+            <a:cxnLst/>
+            <a:rect l="l" t="t" r="r" b="b"/>
+            <a:pathLst>
+              <a:path w="7308975" h="3364992">
+                <a:moveTo>
+                  <a:pt x="0" y="0"/>
+                </a:moveTo>
+                <a:lnTo>
+                  <a:pt x="7308975" y="0"/>
+                </a:lnTo>
+                <a:lnTo>
+                  <a:pt x="7308975" y="3364992"/>
+                </a:lnTo>
+                <a:lnTo>
+                  <a:pt x="1210305" y="3364992"/>
+                </a:lnTo>
+                <a:lnTo>
+                  <a:pt x="1192705" y="2943200"/>
+                </a:lnTo>
+                <a:cubicBezTo>
+                  <a:pt x="1098874" y="1825108"/>
+                  <a:pt x="684692" y="821621"/>
+                  <a:pt x="62981" y="69271"/>
+                </a:cubicBezTo>
+                <a:close/>
+              </a:path>
+            </a:pathLst>
+          </a:custGeom>
+          <a:noFill/>
+          <a:extLst>
+            <a:ext uri="{909E8E84-426E-40DD-AFC4-6F175D3DCCD1}">
+              <a14:hiddenFill xmlns:a14="http://schemas.microsoft.com/office/drawing/2010/main">
+                <a:solidFill>
+                  <a:srgbClr val="FFFFFF"/>
+                </a:solidFill>
+              </a14:hiddenFill>
+            </a:ext>
+          </a:extLst>
+        </p:spPr>
+      </p:pic>
+      <p:sp useBgFill="1">
+        <p:nvSpPr>
+          <p:cNvPr id="17" name="Freeform: Shape 16">
+            <a:extLst>
+              <a:ext uri="{FF2B5EF4-FFF2-40B4-BE49-F238E27FC236}">
+                <a16:creationId xmlns:a16="http://schemas.microsoft.com/office/drawing/2014/main" id="{F04E4CBA-303B-48BD-8451-C2701CB0EEBF}"/>
+              </a:ext>
+              <a:ext uri="{C183D7F6-B498-43B3-948B-1728B52AA6E4}">
+                <adec:decorative xmlns:adec="http://schemas.microsoft.com/office/drawing/2017/decorative" val="1"/>
+              </a:ext>
+            </a:extLst>
+          </p:cNvPr>
+          <p:cNvSpPr>
+            <a:spLocks noGrp="1" noRot="1" noChangeAspect="1" noMove="1" noResize="1" noEditPoints="1" noAdjustHandles="1" noChangeArrowheads="1" noChangeShapeType="1" noTextEdit="1"/>
+          </p:cNvSpPr>
+          <p:nvPr>
+            <p:extLst>
+              <p:ext uri="{386F3935-93C4-4BCD-93E2-E3B085C9AB24}">
+                <p16:designElem xmlns:p16="http://schemas.microsoft.com/office/powerpoint/2015/main" val="1"/>
+              </p:ext>
+            </p:extLst>
+          </p:nvPr>
+        </p:nvSpPr>
+        <p:spPr>
+          <a:xfrm>
+            <a:off x="0" y="0"/>
+            <a:ext cx="6096001" cy="6858000"/>
+          </a:xfrm>
+          <a:custGeom>
+            <a:avLst/>
+            <a:gdLst>
+              <a:gd name="connsiteX0" fmla="*/ 0 w 6096001"/>
+              <a:gd name="connsiteY0" fmla="*/ 0 h 6858000"/>
+              <a:gd name="connsiteX1" fmla="*/ 4883024 w 6096001"/>
+              <a:gd name="connsiteY1" fmla="*/ 0 h 6858000"/>
+              <a:gd name="connsiteX2" fmla="*/ 4946006 w 6096001"/>
+              <a:gd name="connsiteY2" fmla="*/ 69271 h 6858000"/>
+              <a:gd name="connsiteX3" fmla="*/ 6096001 w 6096001"/>
+              <a:gd name="connsiteY3" fmla="*/ 3429000 h 6858000"/>
+              <a:gd name="connsiteX4" fmla="*/ 4946006 w 6096001"/>
+              <a:gd name="connsiteY4" fmla="*/ 6788730 h 6858000"/>
+              <a:gd name="connsiteX5" fmla="*/ 4883024 w 6096001"/>
+              <a:gd name="connsiteY5" fmla="*/ 6858000 h 6858000"/>
+              <a:gd name="connsiteX6" fmla="*/ 0 w 6096001"/>
+              <a:gd name="connsiteY6" fmla="*/ 6858000 h 6858000"/>
+            </a:gdLst>
+            <a:ahLst/>
+            <a:cxnLst>
+              <a:cxn ang="0">
+                <a:pos x="connsiteX0" y="connsiteY0"/>
+              </a:cxn>
+              <a:cxn ang="0">
+                <a:pos x="connsiteX1" y="connsiteY1"/>
+              </a:cxn>
+              <a:cxn ang="0">
+                <a:pos x="connsiteX2" y="connsiteY2"/>
+              </a:cxn>
+              <a:cxn ang="0">
+                <a:pos x="connsiteX3" y="connsiteY3"/>
+              </a:cxn>
+              <a:cxn ang="0">
+                <a:pos x="connsiteX4" y="connsiteY4"/>
+              </a:cxn>
+              <a:cxn ang="0">
+                <a:pos x="connsiteX5" y="connsiteY5"/>
+              </a:cxn>
+              <a:cxn ang="0">
+                <a:pos x="connsiteX6" y="connsiteY6"/>
+              </a:cxn>
+            </a:cxnLst>
+            <a:rect l="l" t="t" r="r" b="b"/>
+            <a:pathLst>
+              <a:path w="6096001" h="6858000">
+                <a:moveTo>
+                  <a:pt x="0" y="0"/>
+                </a:moveTo>
+                <a:lnTo>
+                  <a:pt x="4883024" y="0"/>
+                </a:lnTo>
+                <a:lnTo>
+                  <a:pt x="4946006" y="69271"/>
+                </a:lnTo>
+                <a:cubicBezTo>
+                  <a:pt x="5656532" y="929100"/>
+                  <a:pt x="6096001" y="2116944"/>
+                  <a:pt x="6096001" y="3429000"/>
+                </a:cubicBezTo>
+                <a:cubicBezTo>
+                  <a:pt x="6096001" y="4741056"/>
+                  <a:pt x="5656532" y="5928900"/>
+                  <a:pt x="4946006" y="6788730"/>
+                </a:cubicBezTo>
+                <a:lnTo>
+                  <a:pt x="4883024" y="6858000"/>
+                </a:lnTo>
+                <a:lnTo>
+                  <a:pt x="0" y="6858000"/>
+                </a:lnTo>
+                <a:close/>
+              </a:path>
+            </a:pathLst>
+          </a:custGeom>
+          <a:ln w="9525">
+            <a:solidFill>
+              <a:srgbClr val="EFEFEF"/>
+            </a:solidFill>
+          </a:ln>
+          <a:effectLst>
+            <a:outerShdw blurRad="50800" dist="38100" algn="l" rotWithShape="0">
+              <a:schemeClr val="bg1">
+                <a:lumMod val="85000"/>
+                <a:alpha val="30000"/>
+              </a:schemeClr>
+            </a:outerShdw>
+          </a:effectLst>
+        </p:spPr>
+        <p:style>
+          <a:lnRef idx="2">
+            <a:schemeClr val="accent1">
+              <a:shade val="50000"/>
+            </a:schemeClr>
+          </a:lnRef>
+          <a:fillRef idx="1">
+            <a:schemeClr val="accent1"/>
+          </a:fillRef>
+          <a:effectRef idx="0">
+            <a:schemeClr val="accent1"/>
+          </a:effectRef>
+          <a:fontRef idx="minor">
+            <a:schemeClr val="lt1"/>
+          </a:fontRef>
+        </p:style>
+        <p:txBody>
+          <a:bodyPr wrap="square" rtlCol="0" anchor="ctr">
+            <a:noAutofit/>
+          </a:bodyPr>
+          <a:lstStyle/>
+          <a:p>
+            <a:pPr marL="0" marR="0" lvl="0" indent="0" algn="ctr" defTabSz="914400" rtl="0" eaLnBrk="1" fontAlgn="auto" latinLnBrk="0" hangingPunct="1">
+              <a:lnSpc>
+                <a:spcPct val="100000"/>
+              </a:lnSpc>
+              <a:spcBef>
+                <a:spcPts val="0"/>
+              </a:spcBef>
+              <a:spcAft>
+                <a:spcPts val="0"/>
+              </a:spcAft>
+              <a:buClrTx/>
+              <a:buSzTx/>
+              <a:buFontTx/>
+              <a:buNone/>
+              <a:tabLst/>
+              <a:defRPr/>
+            </a:pPr>
+            <a:endParaRPr kumimoji="0" lang="en-US" sz="1800" b="0" i="0" u="none" strike="noStrike" kern="1200" cap="none" spc="0" normalizeH="0" baseline="0" noProof="0">
+              <a:ln>
+                <a:noFill/>
+              </a:ln>
+              <a:solidFill>
+                <a:prstClr val="white"/>
+              </a:solidFill>
+              <a:effectLst/>
+              <a:uLnTx/>
+              <a:uFillTx/>
+              <a:latin typeface="Calibri" panose="020F0502020204030204"/>
+              <a:ea typeface="+mn-ea"/>
+              <a:cs typeface="+mn-cs"/>
+            </a:endParaRPr>
+          </a:p>
+        </p:txBody>
+      </p:sp>
+      <p:sp useBgFill="1">
+        <p:nvSpPr>
+          <p:cNvPr id="19" name="Freeform: Shape 18">
+            <a:extLst>
+              <a:ext uri="{FF2B5EF4-FFF2-40B4-BE49-F238E27FC236}">
+                <a16:creationId xmlns:a16="http://schemas.microsoft.com/office/drawing/2014/main" id="{F6CA58B3-AFCC-4A40-9882-50D5080879B0}"/>
+              </a:ext>
+              <a:ext uri="{C183D7F6-B498-43B3-948B-1728B52AA6E4}">
+                <adec:decorative xmlns:adec="http://schemas.microsoft.com/office/drawing/2017/decorative" val="1"/>
+              </a:ext>
+            </a:extLst>
+          </p:cNvPr>
+          <p:cNvSpPr>
+            <a:spLocks noGrp="1" noRot="1" noChangeAspect="1" noMove="1" noResize="1" noEditPoints="1" noAdjustHandles="1" noChangeArrowheads="1" noChangeShapeType="1" noTextEdit="1"/>
+          </p:cNvSpPr>
+          <p:nvPr>
+            <p:extLst>
+              <p:ext uri="{386F3935-93C4-4BCD-93E2-E3B085C9AB24}">
+                <p16:designElem xmlns:p16="http://schemas.microsoft.com/office/powerpoint/2015/main" val="1"/>
+              </p:ext>
+            </p:extLst>
+          </p:nvPr>
+        </p:nvSpPr>
+        <p:spPr>
+          <a:xfrm>
+            <a:off x="1" y="0"/>
+            <a:ext cx="6087332" cy="6858000"/>
+          </a:xfrm>
+          <a:custGeom>
+            <a:avLst/>
+            <a:gdLst>
+              <a:gd name="connsiteX0" fmla="*/ 0 w 6087332"/>
+              <a:gd name="connsiteY0" fmla="*/ 0 h 6858000"/>
+              <a:gd name="connsiteX1" fmla="*/ 4874355 w 6087332"/>
+              <a:gd name="connsiteY1" fmla="*/ 0 h 6858000"/>
+              <a:gd name="connsiteX2" fmla="*/ 4937337 w 6087332"/>
+              <a:gd name="connsiteY2" fmla="*/ 69271 h 6858000"/>
+              <a:gd name="connsiteX3" fmla="*/ 6087332 w 6087332"/>
+              <a:gd name="connsiteY3" fmla="*/ 3429000 h 6858000"/>
+              <a:gd name="connsiteX4" fmla="*/ 4937337 w 6087332"/>
+              <a:gd name="connsiteY4" fmla="*/ 6788730 h 6858000"/>
+              <a:gd name="connsiteX5" fmla="*/ 4874355 w 6087332"/>
+              <a:gd name="connsiteY5" fmla="*/ 6858000 h 6858000"/>
+              <a:gd name="connsiteX6" fmla="*/ 0 w 6087332"/>
+              <a:gd name="connsiteY6" fmla="*/ 6858000 h 6858000"/>
+            </a:gdLst>
+            <a:ahLst/>
+            <a:cxnLst>
+              <a:cxn ang="0">
+                <a:pos x="connsiteX0" y="connsiteY0"/>
+              </a:cxn>
+              <a:cxn ang="0">
+                <a:pos x="connsiteX1" y="connsiteY1"/>
+              </a:cxn>
+              <a:cxn ang="0">
+                <a:pos x="connsiteX2" y="connsiteY2"/>
+              </a:cxn>
+              <a:cxn ang="0">
+                <a:pos x="connsiteX3" y="connsiteY3"/>
+              </a:cxn>
+              <a:cxn ang="0">
+                <a:pos x="connsiteX4" y="connsiteY4"/>
+              </a:cxn>
+              <a:cxn ang="0">
+                <a:pos x="connsiteX5" y="connsiteY5"/>
+              </a:cxn>
+              <a:cxn ang="0">
+                <a:pos x="connsiteX6" y="connsiteY6"/>
+              </a:cxn>
+            </a:cxnLst>
+            <a:rect l="l" t="t" r="r" b="b"/>
+            <a:pathLst>
+              <a:path w="6087332" h="6858000">
+                <a:moveTo>
+                  <a:pt x="0" y="0"/>
+                </a:moveTo>
+                <a:lnTo>
+                  <a:pt x="4874355" y="0"/>
+                </a:lnTo>
+                <a:lnTo>
+                  <a:pt x="4937337" y="69271"/>
+                </a:lnTo>
+                <a:cubicBezTo>
+                  <a:pt x="5647863" y="929100"/>
+                  <a:pt x="6087332" y="2116944"/>
+                  <a:pt x="6087332" y="3429000"/>
+                </a:cubicBezTo>
+                <a:cubicBezTo>
+                  <a:pt x="6087332" y="4741056"/>
+                  <a:pt x="5647863" y="5928900"/>
+                  <a:pt x="4937337" y="6788730"/>
+                </a:cubicBezTo>
+                <a:lnTo>
+                  <a:pt x="4874355" y="6858000"/>
+                </a:lnTo>
+                <a:lnTo>
+                  <a:pt x="0" y="6858000"/>
+                </a:lnTo>
+                <a:close/>
+              </a:path>
+            </a:pathLst>
+          </a:custGeom>
+          <a:ln>
+            <a:noFill/>
+          </a:ln>
+        </p:spPr>
+        <p:style>
+          <a:lnRef idx="2">
+            <a:schemeClr val="accent1">
+              <a:shade val="50000"/>
+            </a:schemeClr>
+          </a:lnRef>
+          <a:fillRef idx="1">
+            <a:schemeClr val="accent1"/>
+          </a:fillRef>
+          <a:effectRef idx="0">
+            <a:schemeClr val="accent1"/>
+          </a:effectRef>
+          <a:fontRef idx="minor">
+            <a:schemeClr val="lt1"/>
+          </a:fontRef>
+        </p:style>
+        <p:txBody>
+          <a:bodyPr rtlCol="0" anchor="ctr"/>
+          <a:lstStyle/>
+          <a:p>
+            <a:pPr algn="ctr"/>
+            <a:endParaRPr lang="en-US">
+              <a:solidFill>
+                <a:prstClr val="white"/>
+              </a:solidFill>
+              <a:latin typeface="Calibri" panose="020F0502020204030204"/>
+            </a:endParaRPr>
+          </a:p>
+        </p:txBody>
+      </p:sp>
       <p:sp>
         <p:nvSpPr>
           <p:cNvPr id="2" name="Title 1">
             <a:extLst>
               <a:ext uri="{FF2B5EF4-FFF2-40B4-BE49-F238E27FC236}">
-                <a16:creationId xmlns:a16="http://schemas.microsoft.com/office/drawing/2014/main" id="{F9EBA06C-349B-9287-35D9-6870882A5DA0}"/>
+                <a16:creationId xmlns:a16="http://schemas.microsoft.com/office/drawing/2014/main" id="{97CD8F83-BF77-21A6-358B-B6A546980D1E}"/>
               </a:ext>
             </a:extLst>
           </p:cNvPr>
@@ -3449,50 +5051,572 @@
             <p:ph type="title"/>
           </p:nvPr>
         </p:nvSpPr>
-        <p:spPr/>
-        <p:txBody>
-          <a:bodyPr/>
+        <p:spPr>
+          <a:xfrm>
+            <a:off x="448056" y="859536"/>
+            <a:ext cx="4832802" cy="1243584"/>
+          </a:xfrm>
+        </p:spPr>
+        <p:txBody>
+          <a:bodyPr vert="horz" lIns="91440" tIns="45720" rIns="91440" bIns="45720" rtlCol="0" anchor="ctr">
+            <a:normAutofit/>
+          </a:bodyPr>
           <a:lstStyle/>
           <a:p>
             <a:r>
-              <a:rPr lang="en-KE" dirty="0"/>
-              <a:t>Simple SEIR model for MPOX dynamics</a:t>
+              <a:rPr lang="en-US" sz="3400" kern="1200" dirty="0">
+                <a:solidFill>
+                  <a:schemeClr val="tx1"/>
+                </a:solidFill>
+                <a:latin typeface="+mj-lt"/>
+                <a:ea typeface="+mj-ea"/>
+                <a:cs typeface="+mj-cs"/>
+              </a:rPr>
+              <a:t>Background</a:t>
             </a:r>
+          </a:p>
+        </p:txBody>
+      </p:sp>
+      <p:sp>
+        <p:nvSpPr>
+          <p:cNvPr id="24" name="Rectangle 20">
+            <a:extLst>
+              <a:ext uri="{FF2B5EF4-FFF2-40B4-BE49-F238E27FC236}">
+                <a16:creationId xmlns:a16="http://schemas.microsoft.com/office/drawing/2014/main" id="{75C56826-D4E5-42ED-8529-079651CB3005}"/>
+              </a:ext>
+              <a:ext uri="{C183D7F6-B498-43B3-948B-1728B52AA6E4}">
+                <adec:decorative xmlns:adec="http://schemas.microsoft.com/office/drawing/2017/decorative" val="1"/>
+              </a:ext>
+            </a:extLst>
+          </p:cNvPr>
+          <p:cNvSpPr>
+            <a:spLocks noGrp="1" noRot="1" noChangeAspect="1" noMove="1" noResize="1" noEditPoints="1" noAdjustHandles="1" noChangeArrowheads="1" noChangeShapeType="1" noTextEdit="1"/>
+          </p:cNvSpPr>
+          <p:nvPr>
+            <p:extLst>
+              <p:ext uri="{386F3935-93C4-4BCD-93E2-E3B085C9AB24}">
+                <p16:designElem xmlns:p16="http://schemas.microsoft.com/office/powerpoint/2015/main" val="1"/>
+              </p:ext>
+            </p:extLst>
+          </p:nvPr>
+        </p:nvSpPr>
+        <p:spPr>
+          <a:xfrm>
+            <a:off x="0" y="1152144"/>
+            <a:ext cx="128016" cy="653903"/>
+          </a:xfrm>
+          <a:prstGeom prst="rect">
+            <a:avLst/>
+          </a:prstGeom>
+          <a:solidFill>
+            <a:schemeClr val="accent2"/>
+          </a:solidFill>
+          <a:ln>
+            <a:noFill/>
+          </a:ln>
+        </p:spPr>
+        <p:style>
+          <a:lnRef idx="2">
+            <a:schemeClr val="accent1">
+              <a:shade val="50000"/>
+            </a:schemeClr>
+          </a:lnRef>
+          <a:fillRef idx="1">
+            <a:schemeClr val="accent1"/>
+          </a:fillRef>
+          <a:effectRef idx="0">
+            <a:schemeClr val="accent1"/>
+          </a:effectRef>
+          <a:fontRef idx="minor">
+            <a:schemeClr val="lt1"/>
+          </a:fontRef>
+        </p:style>
+        <p:txBody>
+          <a:bodyPr rtlCol="0" anchor="ctr"/>
+          <a:lstStyle/>
+          <a:p>
+            <a:pPr algn="ctr"/>
+            <a:endParaRPr lang="en-US">
+              <a:solidFill>
+                <a:prstClr val="white"/>
+              </a:solidFill>
+              <a:latin typeface="Calibri" panose="020F0502020204030204"/>
+            </a:endParaRPr>
+          </a:p>
+        </p:txBody>
+      </p:sp>
+      <p:sp useBgFill="1">
+        <p:nvSpPr>
+          <p:cNvPr id="23" name="Rectangle 22">
+            <a:extLst>
+              <a:ext uri="{FF2B5EF4-FFF2-40B4-BE49-F238E27FC236}">
+                <a16:creationId xmlns:a16="http://schemas.microsoft.com/office/drawing/2014/main" id="{82095FCE-EF05-4443-B97A-85DEE3A5CA17}"/>
+              </a:ext>
+              <a:ext uri="{C183D7F6-B498-43B3-948B-1728B52AA6E4}">
+                <adec:decorative xmlns:adec="http://schemas.microsoft.com/office/drawing/2017/decorative" val="1"/>
+              </a:ext>
+            </a:extLst>
+          </p:cNvPr>
+          <p:cNvSpPr>
+            <a:spLocks noGrp="1" noRot="1" noChangeAspect="1" noMove="1" noResize="1" noEditPoints="1" noAdjustHandles="1" noChangeArrowheads="1" noChangeShapeType="1" noTextEdit="1"/>
+          </p:cNvSpPr>
+          <p:nvPr>
+            <p:extLst>
+              <p:ext uri="{386F3935-93C4-4BCD-93E2-E3B085C9AB24}">
+                <p16:designElem xmlns:p16="http://schemas.microsoft.com/office/powerpoint/2015/main" val="1"/>
+              </p:ext>
+            </p:extLst>
+          </p:nvPr>
+        </p:nvSpPr>
+        <p:spPr>
+          <a:xfrm>
+            <a:off x="449544" y="2194560"/>
+            <a:ext cx="4892040" cy="18288"/>
+          </a:xfrm>
+          <a:prstGeom prst="rect">
+            <a:avLst/>
+          </a:prstGeom>
+          <a:ln w="3175">
+            <a:noFill/>
+          </a:ln>
+          <a:effectLst/>
+        </p:spPr>
+        <p:style>
+          <a:lnRef idx="2">
+            <a:schemeClr val="accent1">
+              <a:shade val="50000"/>
+            </a:schemeClr>
+          </a:lnRef>
+          <a:fillRef idx="1">
+            <a:schemeClr val="accent1"/>
+          </a:fillRef>
+          <a:effectRef idx="0">
+            <a:schemeClr val="accent1"/>
+          </a:effectRef>
+          <a:fontRef idx="minor">
+            <a:schemeClr val="lt1"/>
+          </a:fontRef>
+        </p:style>
+        <p:txBody>
+          <a:bodyPr rtlCol="0" anchor="ctr"/>
+          <a:lstStyle/>
+          <a:p>
+            <a:pPr marL="0" marR="0" lvl="0" indent="0" algn="ctr" defTabSz="914400" rtl="0" eaLnBrk="1" fontAlgn="auto" latinLnBrk="0" hangingPunct="1">
+              <a:lnSpc>
+                <a:spcPct val="100000"/>
+              </a:lnSpc>
+              <a:spcBef>
+                <a:spcPts val="0"/>
+              </a:spcBef>
+              <a:spcAft>
+                <a:spcPts val="0"/>
+              </a:spcAft>
+              <a:buClrTx/>
+              <a:buSzTx/>
+              <a:buFontTx/>
+              <a:buNone/>
+              <a:tabLst/>
+              <a:defRPr/>
+            </a:pPr>
+            <a:endParaRPr kumimoji="0" lang="en-US" sz="1800" b="0" i="0" u="none" strike="noStrike" kern="1200" cap="none" spc="0" normalizeH="0" baseline="0" noProof="0">
+              <a:ln>
+                <a:noFill/>
+              </a:ln>
+              <a:solidFill>
+                <a:prstClr val="white"/>
+              </a:solidFill>
+              <a:effectLst/>
+              <a:uLnTx/>
+              <a:uFillTx/>
+              <a:latin typeface="Calibri" panose="020F0502020204030204"/>
+              <a:ea typeface="+mn-ea"/>
+              <a:cs typeface="+mn-cs"/>
+            </a:endParaRPr>
+          </a:p>
+        </p:txBody>
+      </p:sp>
+      <p:sp>
+        <p:nvSpPr>
+          <p:cNvPr id="25" name="Rectangle 24">
+            <a:extLst>
+              <a:ext uri="{FF2B5EF4-FFF2-40B4-BE49-F238E27FC236}">
+                <a16:creationId xmlns:a16="http://schemas.microsoft.com/office/drawing/2014/main" id="{CA00AE6B-AA30-4CF8-BA6F-339B780AD76C}"/>
+              </a:ext>
+              <a:ext uri="{C183D7F6-B498-43B3-948B-1728B52AA6E4}">
+                <adec:decorative xmlns:adec="http://schemas.microsoft.com/office/drawing/2017/decorative" val="1"/>
+              </a:ext>
+            </a:extLst>
+          </p:cNvPr>
+          <p:cNvSpPr>
+            <a:spLocks noGrp="1" noRot="1" noChangeAspect="1" noMove="1" noResize="1" noEditPoints="1" noAdjustHandles="1" noChangeArrowheads="1" noChangeShapeType="1" noTextEdit="1"/>
+          </p:cNvSpPr>
+          <p:nvPr>
+            <p:extLst>
+              <p:ext uri="{386F3935-93C4-4BCD-93E2-E3B085C9AB24}">
+                <p16:designElem xmlns:p16="http://schemas.microsoft.com/office/powerpoint/2015/main" val="1"/>
+              </p:ext>
+            </p:extLst>
+          </p:nvPr>
+        </p:nvSpPr>
+        <p:spPr>
+          <a:xfrm>
+            <a:off x="449544" y="2194560"/>
+            <a:ext cx="4892040" cy="18288"/>
+          </a:xfrm>
+          <a:prstGeom prst="rect">
+            <a:avLst/>
+          </a:prstGeom>
+          <a:solidFill>
+            <a:srgbClr val="D5D5D5"/>
+          </a:solidFill>
+          <a:ln w="3175">
+            <a:noFill/>
+          </a:ln>
+          <a:effectLst/>
+        </p:spPr>
+        <p:style>
+          <a:lnRef idx="2">
+            <a:schemeClr val="accent1">
+              <a:shade val="50000"/>
+            </a:schemeClr>
+          </a:lnRef>
+          <a:fillRef idx="1">
+            <a:schemeClr val="accent1"/>
+          </a:fillRef>
+          <a:effectRef idx="0">
+            <a:schemeClr val="accent1"/>
+          </a:effectRef>
+          <a:fontRef idx="minor">
+            <a:schemeClr val="lt1"/>
+          </a:fontRef>
+        </p:style>
+        <p:txBody>
+          <a:bodyPr rtlCol="0" anchor="ctr"/>
+          <a:lstStyle/>
+          <a:p>
+            <a:pPr algn="ctr"/>
+            <a:endParaRPr lang="en-US">
+              <a:solidFill>
+                <a:prstClr val="white"/>
+              </a:solidFill>
+              <a:latin typeface="Calibri" panose="020F0502020204030204"/>
+            </a:endParaRPr>
+          </a:p>
+        </p:txBody>
+      </p:sp>
+      <p:sp>
+        <p:nvSpPr>
+          <p:cNvPr id="6" name="TextBox 5">
+            <a:extLst>
+              <a:ext uri="{FF2B5EF4-FFF2-40B4-BE49-F238E27FC236}">
+                <a16:creationId xmlns:a16="http://schemas.microsoft.com/office/drawing/2014/main" id="{78600541-1E8A-F151-F9AF-BEC8F1FAE46E}"/>
+              </a:ext>
+            </a:extLst>
+          </p:cNvPr>
+          <p:cNvSpPr txBox="1"/>
+          <p:nvPr/>
+        </p:nvSpPr>
+        <p:spPr>
+          <a:xfrm>
+            <a:off x="448056" y="2512611"/>
+            <a:ext cx="4832803" cy="3664351"/>
+          </a:xfrm>
+          <a:prstGeom prst="rect">
+            <a:avLst/>
+          </a:prstGeom>
+        </p:spPr>
+        <p:txBody>
+          <a:bodyPr vert="horz" lIns="91440" tIns="45720" rIns="91440" bIns="45720" rtlCol="0">
+            <a:normAutofit/>
+          </a:bodyPr>
+          <a:lstStyle/>
+          <a:p>
+            <a:pPr indent="-228600">
+              <a:lnSpc>
+                <a:spcPct val="90000"/>
+              </a:lnSpc>
+              <a:spcAft>
+                <a:spcPts val="600"/>
+              </a:spcAft>
+              <a:buFont typeface="Arial" panose="020B0604020202020204" pitchFamily="34" charset="0"/>
+              <a:buChar char="•"/>
+            </a:pPr>
+            <a:r>
+              <a:rPr lang="en-US" sz="2000" b="1" dirty="0"/>
+              <a:t>Symptoms </a:t>
+            </a:r>
+          </a:p>
+          <a:p>
+            <a:pPr indent="-228600">
+              <a:lnSpc>
+                <a:spcPct val="90000"/>
+              </a:lnSpc>
+              <a:spcAft>
+                <a:spcPts val="600"/>
+              </a:spcAft>
+              <a:buFont typeface="Arial" panose="020B0604020202020204" pitchFamily="34" charset="0"/>
+              <a:buChar char="•"/>
+            </a:pPr>
+            <a:endParaRPr lang="en-US" sz="2000" dirty="0"/>
+          </a:p>
+          <a:p>
+            <a:pPr marL="285750" indent="-228600">
+              <a:lnSpc>
+                <a:spcPct val="90000"/>
+              </a:lnSpc>
+              <a:spcAft>
+                <a:spcPts val="600"/>
+              </a:spcAft>
+              <a:buFont typeface="Arial" panose="020B0604020202020204" pitchFamily="34" charset="0"/>
+              <a:buChar char="•"/>
+            </a:pPr>
+            <a:r>
+              <a:rPr lang="en-US" sz="2000" dirty="0"/>
+              <a:t>Skin rash or mucosal lesion</a:t>
+            </a:r>
+          </a:p>
+          <a:p>
+            <a:pPr marL="285750" indent="-228600">
+              <a:lnSpc>
+                <a:spcPct val="90000"/>
+              </a:lnSpc>
+              <a:spcAft>
+                <a:spcPts val="600"/>
+              </a:spcAft>
+              <a:buFont typeface="Arial" panose="020B0604020202020204" pitchFamily="34" charset="0"/>
+              <a:buChar char="•"/>
+            </a:pPr>
+            <a:r>
+              <a:rPr lang="en-US" sz="2000" dirty="0"/>
+              <a:t>Headache</a:t>
+            </a:r>
+          </a:p>
+          <a:p>
+            <a:pPr marL="285750" indent="-228600">
+              <a:lnSpc>
+                <a:spcPct val="90000"/>
+              </a:lnSpc>
+              <a:spcAft>
+                <a:spcPts val="600"/>
+              </a:spcAft>
+              <a:buFont typeface="Arial" panose="020B0604020202020204" pitchFamily="34" charset="0"/>
+              <a:buChar char="•"/>
+            </a:pPr>
+            <a:r>
+              <a:rPr lang="en-US" sz="2000" dirty="0"/>
+              <a:t>Back pain</a:t>
+            </a:r>
+          </a:p>
+          <a:p>
+            <a:pPr marL="285750" indent="-228600">
+              <a:lnSpc>
+                <a:spcPct val="90000"/>
+              </a:lnSpc>
+              <a:spcAft>
+                <a:spcPts val="600"/>
+              </a:spcAft>
+              <a:buFont typeface="Arial" panose="020B0604020202020204" pitchFamily="34" charset="0"/>
+              <a:buChar char="•"/>
+            </a:pPr>
+            <a:r>
+              <a:rPr lang="en-US" sz="2000" dirty="0"/>
+              <a:t>Low energy</a:t>
+            </a:r>
+          </a:p>
+          <a:p>
+            <a:pPr marL="285750" indent="-228600">
+              <a:lnSpc>
+                <a:spcPct val="90000"/>
+              </a:lnSpc>
+              <a:spcAft>
+                <a:spcPts val="600"/>
+              </a:spcAft>
+              <a:buFont typeface="Arial" panose="020B0604020202020204" pitchFamily="34" charset="0"/>
+              <a:buChar char="•"/>
+            </a:pPr>
+            <a:r>
+              <a:rPr lang="en-US" sz="2000" dirty="0"/>
+              <a:t>Lymph nodes</a:t>
+            </a:r>
+          </a:p>
+        </p:txBody>
+      </p:sp>
+      <p:sp>
+        <p:nvSpPr>
+          <p:cNvPr id="4" name="Date Placeholder 3">
+            <a:extLst>
+              <a:ext uri="{FF2B5EF4-FFF2-40B4-BE49-F238E27FC236}">
+                <a16:creationId xmlns:a16="http://schemas.microsoft.com/office/drawing/2014/main" id="{8C30EE65-D9EC-F9CD-0D23-158233419EE1}"/>
+              </a:ext>
+            </a:extLst>
+          </p:cNvPr>
+          <p:cNvSpPr>
+            <a:spLocks noGrp="1"/>
+          </p:cNvSpPr>
+          <p:nvPr>
+            <p:ph type="dt" sz="half" idx="10"/>
+          </p:nvPr>
+        </p:nvSpPr>
+        <p:spPr>
+          <a:xfrm>
+            <a:off x="438912" y="6356350"/>
+            <a:ext cx="1335024" cy="365125"/>
+          </a:xfrm>
+        </p:spPr>
+        <p:txBody>
+          <a:bodyPr vert="horz" lIns="91440" tIns="45720" rIns="91440" bIns="45720" rtlCol="0" anchor="ctr">
+            <a:normAutofit/>
+          </a:bodyPr>
+          <a:lstStyle/>
+          <a:p>
+            <a:pPr>
+              <a:spcAft>
+                <a:spcPts val="600"/>
+              </a:spcAft>
+            </a:pPr>
+            <a:fld id="{33BDFC23-B85C-034B-91A5-DB1CD35170AE}" type="datetime1">
+              <a:rPr lang="en-US">
+                <a:solidFill>
+                  <a:schemeClr val="tx1">
+                    <a:lumMod val="50000"/>
+                    <a:lumOff val="50000"/>
+                  </a:schemeClr>
+                </a:solidFill>
+              </a:rPr>
+              <a:pPr>
+                <a:spcAft>
+                  <a:spcPts val="600"/>
+                </a:spcAft>
+              </a:pPr>
+              <a:t>9/27/24</a:t>
+            </a:fld>
+            <a:endParaRPr lang="en-US">
+              <a:solidFill>
+                <a:schemeClr val="tx1">
+                  <a:lumMod val="50000"/>
+                  <a:lumOff val="50000"/>
+                </a:schemeClr>
+              </a:solidFill>
+            </a:endParaRPr>
+          </a:p>
+        </p:txBody>
+      </p:sp>
+      <p:sp>
+        <p:nvSpPr>
+          <p:cNvPr id="5" name="Slide Number Placeholder 4">
+            <a:extLst>
+              <a:ext uri="{FF2B5EF4-FFF2-40B4-BE49-F238E27FC236}">
+                <a16:creationId xmlns:a16="http://schemas.microsoft.com/office/drawing/2014/main" id="{A2424623-3D76-36F5-95D5-6642C621C718}"/>
+              </a:ext>
+            </a:extLst>
+          </p:cNvPr>
+          <p:cNvSpPr>
+            <a:spLocks noGrp="1"/>
+          </p:cNvSpPr>
+          <p:nvPr>
+            <p:ph type="sldNum" sz="quarter" idx="12"/>
+          </p:nvPr>
+        </p:nvSpPr>
+        <p:spPr>
+          <a:xfrm>
+            <a:off x="9009888" y="6356350"/>
+            <a:ext cx="2743200" cy="365125"/>
+          </a:xfrm>
+        </p:spPr>
+        <p:txBody>
+          <a:bodyPr vert="horz" lIns="91440" tIns="45720" rIns="91440" bIns="45720" rtlCol="0" anchor="ctr">
+            <a:normAutofit/>
+          </a:bodyPr>
+          <a:lstStyle/>
+          <a:p>
+            <a:pPr>
+              <a:spcAft>
+                <a:spcPts val="600"/>
+              </a:spcAft>
+            </a:pPr>
+            <a:fld id="{A5834505-F213-7D40-82C5-3145D0148C0F}" type="slidenum">
+              <a:rPr lang="en-US">
+                <a:solidFill>
+                  <a:schemeClr val="bg1"/>
+                </a:solidFill>
+              </a:rPr>
+              <a:pPr>
+                <a:spcAft>
+                  <a:spcPts val="600"/>
+                </a:spcAft>
+              </a:pPr>
+              <a:t>2</a:t>
+            </a:fld>
+            <a:endParaRPr lang="en-US">
+              <a:solidFill>
+                <a:schemeClr val="bg1"/>
+              </a:solidFill>
+            </a:endParaRPr>
           </a:p>
         </p:txBody>
       </p:sp>
       <p:pic>
         <p:nvPicPr>
-          <p:cNvPr id="7" name="Content Placeholder 6">
-            <a:extLst>
-              <a:ext uri="{FF2B5EF4-FFF2-40B4-BE49-F238E27FC236}">
-                <a16:creationId xmlns:a16="http://schemas.microsoft.com/office/drawing/2014/main" id="{2063F077-D0A9-4898-F89B-115EDF7B6309}"/>
+          <p:cNvPr id="8" name="Picture 7" descr="A graph showing the number of countries/regions&#10;&#10;Description automatically generated">
+            <a:extLst>
+              <a:ext uri="{FF2B5EF4-FFF2-40B4-BE49-F238E27FC236}">
+                <a16:creationId xmlns:a16="http://schemas.microsoft.com/office/drawing/2014/main" id="{BDC2C6D9-074E-1F18-F3C4-CE110C091433}"/>
               </a:ext>
             </a:extLst>
           </p:cNvPr>
           <p:cNvPicPr>
-            <a:picLocks noGrp="1" noChangeAspect="1"/>
+            <a:picLocks noChangeAspect="1"/>
           </p:cNvPicPr>
-          <p:nvPr>
-            <p:ph idx="1"/>
-          </p:nvPr>
+          <p:nvPr/>
         </p:nvPicPr>
         <p:blipFill>
-          <a:blip r:embed="rId2"/>
-          <a:srcRect/>
+          <a:blip r:embed="rId3"/>
+          <a:srcRect t="2533" r="-2" b="12600"/>
           <a:stretch/>
         </p:blipFill>
         <p:spPr>
           <a:xfrm>
-            <a:off x="3394150" y="1832292"/>
-            <a:ext cx="5403699" cy="4338004"/>
+            <a:off x="4232310" y="2962646"/>
+            <a:ext cx="8023443" cy="3700085"/>
           </a:xfrm>
+          <a:custGeom>
+            <a:avLst/>
+            <a:gdLst/>
+            <a:ahLst/>
+            <a:cxnLst/>
+            <a:rect l="l" t="t" r="r" b="b"/>
+            <a:pathLst>
+              <a:path w="7308975" h="3364992">
+                <a:moveTo>
+                  <a:pt x="1210305" y="0"/>
+                </a:moveTo>
+                <a:lnTo>
+                  <a:pt x="7308975" y="0"/>
+                </a:lnTo>
+                <a:lnTo>
+                  <a:pt x="7308975" y="3364992"/>
+                </a:lnTo>
+                <a:lnTo>
+                  <a:pt x="0" y="3364992"/>
+                </a:lnTo>
+                <a:lnTo>
+                  <a:pt x="62981" y="3295722"/>
+                </a:lnTo>
+                <a:cubicBezTo>
+                  <a:pt x="684692" y="2543371"/>
+                  <a:pt x="1098874" y="1539884"/>
+                  <a:pt x="1192705" y="421793"/>
+                </a:cubicBezTo>
+                <a:close/>
+              </a:path>
+            </a:pathLst>
+          </a:custGeom>
         </p:spPr>
       </p:pic>
     </p:spTree>
     <p:extLst>
       <p:ext uri="{BB962C8B-B14F-4D97-AF65-F5344CB8AC3E}">
-        <p14:creationId xmlns:p14="http://schemas.microsoft.com/office/powerpoint/2010/main" val="738696010"/>
+        <p14:creationId xmlns:p14="http://schemas.microsoft.com/office/powerpoint/2010/main" val="2032543703"/>
       </p:ext>
     </p:extLst>
   </p:cSld>
@@ -3535,24 +5659,29 @@
             <p:ph type="title"/>
           </p:nvPr>
         </p:nvSpPr>
-        <p:spPr/>
+        <p:spPr>
+          <a:xfrm>
+            <a:off x="332918" y="136525"/>
+            <a:ext cx="11096625" cy="1325563"/>
+          </a:xfrm>
+        </p:spPr>
         <p:txBody>
           <a:bodyPr/>
           <a:lstStyle/>
           <a:p>
             <a:r>
               <a:rPr lang="en-KE" dirty="0"/>
-              <a:t>Simulation</a:t>
+              <a:t>Homogeneous SEIR model for MPOX dynamics</a:t>
             </a:r>
           </a:p>
         </p:txBody>
       </p:sp>
       <p:pic>
         <p:nvPicPr>
-          <p:cNvPr id="11" name="Content Placeholder 10">
-            <a:extLst>
-              <a:ext uri="{FF2B5EF4-FFF2-40B4-BE49-F238E27FC236}">
-                <a16:creationId xmlns:a16="http://schemas.microsoft.com/office/drawing/2014/main" id="{C4742404-250A-5031-EA71-3F6258324F22}"/>
+          <p:cNvPr id="7" name="Content Placeholder 6">
+            <a:extLst>
+              <a:ext uri="{FF2B5EF4-FFF2-40B4-BE49-F238E27FC236}">
+                <a16:creationId xmlns:a16="http://schemas.microsoft.com/office/drawing/2014/main" id="{2063F077-D0A9-4898-F89B-115EDF7B6309}"/>
               </a:ext>
             </a:extLst>
           </p:cNvPr>
@@ -3565,14 +5694,40 @@
         </p:nvPicPr>
         <p:blipFill>
           <a:blip r:embed="rId2"/>
+          <a:srcRect/>
+          <a:stretch/>
+        </p:blipFill>
+        <p:spPr>
+          <a:xfrm>
+            <a:off x="332918" y="1690688"/>
+            <a:ext cx="5403699" cy="4338004"/>
+          </a:xfrm>
+        </p:spPr>
+      </p:pic>
+      <p:pic>
+        <p:nvPicPr>
+          <p:cNvPr id="3" name="Content Placeholder 10">
+            <a:extLst>
+              <a:ext uri="{FF2B5EF4-FFF2-40B4-BE49-F238E27FC236}">
+                <a16:creationId xmlns:a16="http://schemas.microsoft.com/office/drawing/2014/main" id="{FE1B0722-18D8-9C6E-8D5E-63A3FC78D5D6}"/>
+              </a:ext>
+            </a:extLst>
+          </p:cNvPr>
+          <p:cNvPicPr>
+            <a:picLocks noChangeAspect="1"/>
+          </p:cNvPicPr>
+          <p:nvPr/>
+        </p:nvPicPr>
+        <p:blipFill>
+          <a:blip r:embed="rId3"/>
           <a:stretch>
             <a:fillRect/>
           </a:stretch>
         </p:blipFill>
         <p:spPr bwMode="auto">
           <a:xfrm>
-            <a:off x="2569182" y="1690688"/>
-            <a:ext cx="7272371" cy="4486275"/>
+            <a:off x="5990768" y="1725747"/>
+            <a:ext cx="6096000" cy="4366944"/>
           </a:xfrm>
           <a:prstGeom prst="rect">
             <a:avLst/>
@@ -3589,10 +5744,68 @@
           </a:extLst>
         </p:spPr>
       </p:pic>
+      <p:sp>
+        <p:nvSpPr>
+          <p:cNvPr id="4" name="Date Placeholder 3">
+            <a:extLst>
+              <a:ext uri="{FF2B5EF4-FFF2-40B4-BE49-F238E27FC236}">
+                <a16:creationId xmlns:a16="http://schemas.microsoft.com/office/drawing/2014/main" id="{9927E3A4-4F04-C4D5-6C6F-5C58F603F3A7}"/>
+              </a:ext>
+            </a:extLst>
+          </p:cNvPr>
+          <p:cNvSpPr>
+            <a:spLocks noGrp="1"/>
+          </p:cNvSpPr>
+          <p:nvPr>
+            <p:ph type="dt" sz="half" idx="10"/>
+          </p:nvPr>
+        </p:nvSpPr>
+        <p:spPr/>
+        <p:txBody>
+          <a:bodyPr/>
+          <a:lstStyle/>
+          <a:p>
+            <a:fld id="{E70E61FB-0ED1-D941-8A55-C263CB7B6343}" type="datetime1">
+              <a:rPr lang="en-US" smtClean="0"/>
+              <a:t>9/27/24</a:t>
+            </a:fld>
+            <a:endParaRPr lang="en-KE"/>
+          </a:p>
+        </p:txBody>
+      </p:sp>
+      <p:sp>
+        <p:nvSpPr>
+          <p:cNvPr id="5" name="Slide Number Placeholder 4">
+            <a:extLst>
+              <a:ext uri="{FF2B5EF4-FFF2-40B4-BE49-F238E27FC236}">
+                <a16:creationId xmlns:a16="http://schemas.microsoft.com/office/drawing/2014/main" id="{B47DCABB-5310-0916-6E9D-C1390A52F05F}"/>
+              </a:ext>
+            </a:extLst>
+          </p:cNvPr>
+          <p:cNvSpPr>
+            <a:spLocks noGrp="1"/>
+          </p:cNvSpPr>
+          <p:nvPr>
+            <p:ph type="sldNum" sz="quarter" idx="12"/>
+          </p:nvPr>
+        </p:nvSpPr>
+        <p:spPr/>
+        <p:txBody>
+          <a:bodyPr/>
+          <a:lstStyle/>
+          <a:p>
+            <a:fld id="{A5834505-F213-7D40-82C5-3145D0148C0F}" type="slidenum">
+              <a:rPr lang="en-KE" smtClean="0"/>
+              <a:t>3</a:t>
+            </a:fld>
+            <a:endParaRPr lang="en-KE"/>
+          </a:p>
+        </p:txBody>
+      </p:sp>
     </p:spTree>
     <p:extLst>
       <p:ext uri="{BB962C8B-B14F-4D97-AF65-F5344CB8AC3E}">
-        <p14:creationId xmlns:p14="http://schemas.microsoft.com/office/powerpoint/2010/main" val="3031033232"/>
+        <p14:creationId xmlns:p14="http://schemas.microsoft.com/office/powerpoint/2010/main" val="738696010"/>
       </p:ext>
     </p:extLst>
   </p:cSld>
@@ -3635,7 +5848,12 @@
             <p:ph type="title"/>
           </p:nvPr>
         </p:nvSpPr>
-        <p:spPr/>
+        <p:spPr>
+          <a:xfrm>
+            <a:off x="665141" y="8675"/>
+            <a:ext cx="10515600" cy="1325563"/>
+          </a:xfrm>
+        </p:spPr>
         <p:txBody>
           <a:bodyPr/>
           <a:lstStyle/>
@@ -3661,7 +5879,7 @@
         </p:nvGrpSpPr>
         <p:grpSpPr>
           <a:xfrm>
-            <a:off x="1884556" y="1630679"/>
+            <a:off x="479503" y="1508015"/>
             <a:ext cx="7872761" cy="4758969"/>
             <a:chOff x="0" y="0"/>
             <a:chExt cx="4796790" cy="3596640"/>
@@ -6223,6 +8441,293 @@
           </p:sp>
         </p:grpSp>
       </p:grpSp>
+      <p:sp>
+        <p:nvSpPr>
+          <p:cNvPr id="11" name="TextBox 10">
+            <a:extLst>
+              <a:ext uri="{FF2B5EF4-FFF2-40B4-BE49-F238E27FC236}">
+                <a16:creationId xmlns:a16="http://schemas.microsoft.com/office/drawing/2014/main" id="{809186A7-4C57-0613-054C-5C7D35492F8A}"/>
+              </a:ext>
+            </a:extLst>
+          </p:cNvPr>
+          <p:cNvSpPr txBox="1"/>
+          <p:nvPr/>
+        </p:nvSpPr>
+        <p:spPr>
+          <a:xfrm>
+            <a:off x="8808747" y="930066"/>
+            <a:ext cx="3340507" cy="5355312"/>
+          </a:xfrm>
+          <a:prstGeom prst="rect">
+            <a:avLst/>
+          </a:prstGeom>
+          <a:noFill/>
+        </p:spPr>
+        <p:txBody>
+          <a:bodyPr wrap="square" rtlCol="0">
+            <a:spAutoFit/>
+          </a:bodyPr>
+          <a:lstStyle/>
+          <a:p>
+            <a:pPr marL="285750" indent="-285750">
+              <a:buFont typeface="Wingdings" pitchFamily="2" charset="2"/>
+              <a:buChar char="ü"/>
+            </a:pPr>
+            <a:endParaRPr lang="en-KE" dirty="0"/>
+          </a:p>
+          <a:p>
+            <a:pPr marL="285750" indent="-285750">
+              <a:buFont typeface="Wingdings" pitchFamily="2" charset="2"/>
+              <a:buChar char="ü"/>
+            </a:pPr>
+            <a:r>
+              <a:rPr lang="en-KE" dirty="0"/>
+              <a:t>Distribution into young (&lt; 19) and adults (&gt;19)</a:t>
+            </a:r>
+          </a:p>
+          <a:p>
+            <a:endParaRPr lang="en-KE" dirty="0"/>
+          </a:p>
+          <a:p>
+            <a:pPr marL="285750" indent="-285750">
+              <a:buFont typeface="Wingdings" pitchFamily="2" charset="2"/>
+              <a:buChar char="ü"/>
+            </a:pPr>
+            <a:r>
+              <a:rPr lang="en-KE" dirty="0"/>
+              <a:t>Contact between chilren and parent?</a:t>
+            </a:r>
+          </a:p>
+          <a:p>
+            <a:pPr marL="285750" indent="-285750">
+              <a:buFont typeface="Wingdings" pitchFamily="2" charset="2"/>
+              <a:buChar char="ü"/>
+            </a:pPr>
+            <a:endParaRPr lang="en-KE" dirty="0"/>
+          </a:p>
+          <a:p>
+            <a:pPr marL="285750" indent="-285750">
+              <a:buFont typeface="Wingdings" pitchFamily="2" charset="2"/>
+              <a:buChar char="ü"/>
+            </a:pPr>
+            <a:r>
+              <a:rPr lang="en-KE" dirty="0"/>
+              <a:t>Contact between parent and parent</a:t>
+            </a:r>
+          </a:p>
+          <a:p>
+            <a:pPr marL="285750" indent="-285750">
+              <a:buFont typeface="Wingdings" pitchFamily="2" charset="2"/>
+              <a:buChar char="ü"/>
+            </a:pPr>
+            <a:endParaRPr lang="en-KE" dirty="0"/>
+          </a:p>
+          <a:p>
+            <a:pPr marL="285750" indent="-285750">
+              <a:buFont typeface="Wingdings" pitchFamily="2" charset="2"/>
+              <a:buChar char="ü"/>
+            </a:pPr>
+            <a:r>
+              <a:rPr lang="en-KE" dirty="0"/>
+              <a:t>Contact between children and children</a:t>
+            </a:r>
+          </a:p>
+          <a:p>
+            <a:pPr marL="285750" indent="-285750">
+              <a:buFont typeface="Wingdings" pitchFamily="2" charset="2"/>
+              <a:buChar char="ü"/>
+            </a:pPr>
+            <a:r>
+              <a:rPr lang="en-KE" dirty="0"/>
+              <a:t>Airborne, direct contact and sexual transmission rates</a:t>
+            </a:r>
+          </a:p>
+          <a:p>
+            <a:pPr marL="285750" indent="-285750">
+              <a:buFont typeface="Wingdings" pitchFamily="2" charset="2"/>
+              <a:buChar char="ü"/>
+            </a:pPr>
+            <a:r>
+              <a:rPr lang="en-KE" dirty="0"/>
+              <a:t>Average sexual contact rates</a:t>
+            </a:r>
+          </a:p>
+          <a:p>
+            <a:pPr marL="285750" indent="-285750">
+              <a:buFont typeface="Wingdings" pitchFamily="2" charset="2"/>
+              <a:buChar char="ü"/>
+            </a:pPr>
+            <a:endParaRPr lang="en-KE" dirty="0"/>
+          </a:p>
+          <a:p>
+            <a:pPr marL="285750" indent="-285750">
+              <a:buFont typeface="Wingdings" pitchFamily="2" charset="2"/>
+              <a:buChar char="ü"/>
+            </a:pPr>
+            <a:r>
+              <a:rPr lang="en-KE" dirty="0"/>
+              <a:t>Incubation period</a:t>
+            </a:r>
+          </a:p>
+          <a:p>
+            <a:pPr marL="285750" indent="-285750">
+              <a:buFont typeface="Wingdings" pitchFamily="2" charset="2"/>
+              <a:buChar char="ü"/>
+            </a:pPr>
+            <a:endParaRPr lang="en-KE" dirty="0"/>
+          </a:p>
+          <a:p>
+            <a:pPr marL="285750" indent="-285750">
+              <a:buFont typeface="Wingdings" pitchFamily="2" charset="2"/>
+              <a:buChar char="ü"/>
+            </a:pPr>
+            <a:r>
+              <a:rPr lang="en-KE" dirty="0"/>
+              <a:t>Mortality rate</a:t>
+            </a:r>
+          </a:p>
+        </p:txBody>
+      </p:sp>
+      <p:sp>
+        <p:nvSpPr>
+          <p:cNvPr id="45" name="Date Placeholder 44">
+            <a:extLst>
+              <a:ext uri="{FF2B5EF4-FFF2-40B4-BE49-F238E27FC236}">
+                <a16:creationId xmlns:a16="http://schemas.microsoft.com/office/drawing/2014/main" id="{ED9543F8-B24A-C7F6-1F51-FEE270826044}"/>
+              </a:ext>
+            </a:extLst>
+          </p:cNvPr>
+          <p:cNvSpPr>
+            <a:spLocks noGrp="1"/>
+          </p:cNvSpPr>
+          <p:nvPr>
+            <p:ph type="dt" sz="half" idx="10"/>
+          </p:nvPr>
+        </p:nvSpPr>
+        <p:spPr/>
+        <p:txBody>
+          <a:bodyPr/>
+          <a:lstStyle/>
+          <a:p>
+            <a:fld id="{7631650E-D314-AE42-A32D-CB90A89A640F}" type="datetime1">
+              <a:rPr lang="en-US" smtClean="0"/>
+              <a:t>9/27/24</a:t>
+            </a:fld>
+            <a:endParaRPr lang="en-KE"/>
+          </a:p>
+        </p:txBody>
+      </p:sp>
+      <p:sp>
+        <p:nvSpPr>
+          <p:cNvPr id="46" name="Slide Number Placeholder 45">
+            <a:extLst>
+              <a:ext uri="{FF2B5EF4-FFF2-40B4-BE49-F238E27FC236}">
+                <a16:creationId xmlns:a16="http://schemas.microsoft.com/office/drawing/2014/main" id="{F1F146B6-3EC1-9C62-FF06-695683D955B1}"/>
+              </a:ext>
+            </a:extLst>
+          </p:cNvPr>
+          <p:cNvSpPr>
+            <a:spLocks noGrp="1"/>
+          </p:cNvSpPr>
+          <p:nvPr>
+            <p:ph type="sldNum" sz="quarter" idx="12"/>
+          </p:nvPr>
+        </p:nvSpPr>
+        <p:spPr/>
+        <p:txBody>
+          <a:bodyPr/>
+          <a:lstStyle/>
+          <a:p>
+            <a:fld id="{A5834505-F213-7D40-82C5-3145D0148C0F}" type="slidenum">
+              <a:rPr lang="en-KE" smtClean="0"/>
+              <a:t>4</a:t>
+            </a:fld>
+            <a:endParaRPr lang="en-KE"/>
+          </a:p>
+        </p:txBody>
+      </p:sp>
+      <p:cxnSp>
+        <p:nvCxnSpPr>
+          <p:cNvPr id="48" name="Straight Arrow Connector 47">
+            <a:extLst>
+              <a:ext uri="{FF2B5EF4-FFF2-40B4-BE49-F238E27FC236}">
+                <a16:creationId xmlns:a16="http://schemas.microsoft.com/office/drawing/2014/main" id="{9907971D-49C7-9473-DB68-9A51A674523F}"/>
+              </a:ext>
+            </a:extLst>
+          </p:cNvPr>
+          <p:cNvCxnSpPr>
+            <a:cxnSpLocks/>
+          </p:cNvCxnSpPr>
+          <p:nvPr/>
+        </p:nvCxnSpPr>
+        <p:spPr>
+          <a:xfrm flipV="1">
+            <a:off x="5019316" y="1825389"/>
+            <a:ext cx="0" cy="378323"/>
+          </a:xfrm>
+          <a:prstGeom prst="straightConnector1">
+            <a:avLst/>
+          </a:prstGeom>
+          <a:ln>
+            <a:tailEnd type="triangle"/>
+          </a:ln>
+        </p:spPr>
+        <p:style>
+          <a:lnRef idx="1">
+            <a:schemeClr val="accent1"/>
+          </a:lnRef>
+          <a:fillRef idx="0">
+            <a:schemeClr val="accent1"/>
+          </a:fillRef>
+          <a:effectRef idx="0">
+            <a:schemeClr val="accent1"/>
+          </a:effectRef>
+          <a:fontRef idx="minor">
+            <a:schemeClr val="tx1"/>
+          </a:fontRef>
+        </p:style>
+      </p:cxnSp>
+      <p:cxnSp>
+        <p:nvCxnSpPr>
+          <p:cNvPr id="52" name="Straight Arrow Connector 51">
+            <a:extLst>
+              <a:ext uri="{FF2B5EF4-FFF2-40B4-BE49-F238E27FC236}">
+                <a16:creationId xmlns:a16="http://schemas.microsoft.com/office/drawing/2014/main" id="{62D55F4C-1F70-C54A-0AD7-96514EA8ADA9}"/>
+              </a:ext>
+            </a:extLst>
+          </p:cNvPr>
+          <p:cNvCxnSpPr>
+            <a:cxnSpLocks/>
+          </p:cNvCxnSpPr>
+          <p:nvPr/>
+        </p:nvCxnSpPr>
+        <p:spPr>
+          <a:xfrm flipH="1">
+            <a:off x="5069341" y="5289766"/>
+            <a:ext cx="3570" cy="373126"/>
+          </a:xfrm>
+          <a:prstGeom prst="straightConnector1">
+            <a:avLst/>
+          </a:prstGeom>
+          <a:ln>
+            <a:tailEnd type="triangle"/>
+          </a:ln>
+        </p:spPr>
+        <p:style>
+          <a:lnRef idx="1">
+            <a:schemeClr val="accent1"/>
+          </a:lnRef>
+          <a:fillRef idx="0">
+            <a:schemeClr val="accent1"/>
+          </a:fillRef>
+          <a:effectRef idx="0">
+            <a:schemeClr val="accent1"/>
+          </a:effectRef>
+          <a:fontRef idx="minor">
+            <a:schemeClr val="tx1"/>
+          </a:fontRef>
+        </p:style>
+      </p:cxnSp>
     </p:spTree>
     <p:extLst>
       <p:ext uri="{BB962C8B-B14F-4D97-AF65-F5344CB8AC3E}">
@@ -6348,8 +8853,8 @@
         </p:blipFill>
         <p:spPr>
           <a:xfrm>
-            <a:off x="569217" y="1688830"/>
-            <a:ext cx="5720360" cy="3529942"/>
+            <a:off x="5790616" y="1857375"/>
+            <a:ext cx="6277294" cy="4340606"/>
           </a:xfrm>
           <a:prstGeom prst="rect">
             <a:avLst/>
@@ -6378,14 +8883,72 @@
         </p:blipFill>
         <p:spPr>
           <a:xfrm>
-            <a:off x="6493377" y="1688829"/>
-            <a:ext cx="5494184" cy="3390373"/>
+            <a:off x="142417" y="1943104"/>
+            <a:ext cx="5648199" cy="4100512"/>
           </a:xfrm>
           <a:prstGeom prst="rect">
             <a:avLst/>
           </a:prstGeom>
         </p:spPr>
       </p:pic>
+      <p:sp>
+        <p:nvSpPr>
+          <p:cNvPr id="3" name="Date Placeholder 2">
+            <a:extLst>
+              <a:ext uri="{FF2B5EF4-FFF2-40B4-BE49-F238E27FC236}">
+                <a16:creationId xmlns:a16="http://schemas.microsoft.com/office/drawing/2014/main" id="{F6E59F43-1324-E65B-9A61-4188F6FF5E6B}"/>
+              </a:ext>
+            </a:extLst>
+          </p:cNvPr>
+          <p:cNvSpPr>
+            <a:spLocks noGrp="1"/>
+          </p:cNvSpPr>
+          <p:nvPr>
+            <p:ph type="dt" sz="half" idx="10"/>
+          </p:nvPr>
+        </p:nvSpPr>
+        <p:spPr/>
+        <p:txBody>
+          <a:bodyPr/>
+          <a:lstStyle/>
+          <a:p>
+            <a:fld id="{D27DB529-0E5B-3545-94FC-0C31354FC25E}" type="datetime1">
+              <a:rPr lang="en-US" smtClean="0"/>
+              <a:t>9/27/24</a:t>
+            </a:fld>
+            <a:endParaRPr lang="en-KE"/>
+          </a:p>
+        </p:txBody>
+      </p:sp>
+      <p:sp>
+        <p:nvSpPr>
+          <p:cNvPr id="4" name="Slide Number Placeholder 3">
+            <a:extLst>
+              <a:ext uri="{FF2B5EF4-FFF2-40B4-BE49-F238E27FC236}">
+                <a16:creationId xmlns:a16="http://schemas.microsoft.com/office/drawing/2014/main" id="{EFE54F0E-A2BC-A9A0-D6AE-B5BB272E00AA}"/>
+              </a:ext>
+            </a:extLst>
+          </p:cNvPr>
+          <p:cNvSpPr>
+            <a:spLocks noGrp="1"/>
+          </p:cNvSpPr>
+          <p:nvPr>
+            <p:ph type="sldNum" sz="quarter" idx="12"/>
+          </p:nvPr>
+        </p:nvSpPr>
+        <p:spPr/>
+        <p:txBody>
+          <a:bodyPr/>
+          <a:lstStyle/>
+          <a:p>
+            <a:fld id="{A5834505-F213-7D40-82C5-3145D0148C0F}" type="slidenum">
+              <a:rPr lang="en-KE" smtClean="0"/>
+              <a:t>5</a:t>
+            </a:fld>
+            <a:endParaRPr lang="en-KE"/>
+          </a:p>
+        </p:txBody>
+      </p:sp>
     </p:spTree>
     <p:extLst>
       <p:ext uri="{BB962C8B-B14F-4D97-AF65-F5344CB8AC3E}">
@@ -6511,8 +9074,682 @@
         </p:blipFill>
         <p:spPr>
           <a:xfrm>
-            <a:off x="2057400" y="1696652"/>
-            <a:ext cx="7772400" cy="4796223"/>
+            <a:off x="0" y="1955255"/>
+            <a:ext cx="6349825" cy="3979313"/>
+          </a:xfrm>
+          <a:prstGeom prst="rect">
+            <a:avLst/>
+          </a:prstGeom>
+        </p:spPr>
+      </p:pic>
+      <p:pic>
+        <p:nvPicPr>
+          <p:cNvPr id="6" name="Picture 5" descr="A graph with red line and black line&#10;&#10;Description automatically generated">
+            <a:extLst>
+              <a:ext uri="{FF2B5EF4-FFF2-40B4-BE49-F238E27FC236}">
+                <a16:creationId xmlns:a16="http://schemas.microsoft.com/office/drawing/2014/main" id="{57A79969-6CC2-D0EC-2FDB-BA60A69E1B30}"/>
+              </a:ext>
+            </a:extLst>
+          </p:cNvPr>
+          <p:cNvPicPr>
+            <a:picLocks noChangeAspect="1"/>
+          </p:cNvPicPr>
+          <p:nvPr/>
+        </p:nvPicPr>
+        <p:blipFill>
+          <a:blip r:embed="rId3"/>
+          <a:stretch>
+            <a:fillRect/>
+          </a:stretch>
+        </p:blipFill>
+        <p:spPr>
+          <a:xfrm>
+            <a:off x="6349826" y="3366800"/>
+            <a:ext cx="5279270" cy="3255827"/>
+          </a:xfrm>
+          <a:prstGeom prst="rect">
+            <a:avLst/>
+          </a:prstGeom>
+        </p:spPr>
+      </p:pic>
+      <p:pic>
+        <p:nvPicPr>
+          <p:cNvPr id="8" name="Picture 7" descr="A graph with a red line&#10;&#10;Description automatically generated">
+            <a:extLst>
+              <a:ext uri="{FF2B5EF4-FFF2-40B4-BE49-F238E27FC236}">
+                <a16:creationId xmlns:a16="http://schemas.microsoft.com/office/drawing/2014/main" id="{7B620855-5807-D72A-4C75-0BD5131915BE}"/>
+              </a:ext>
+            </a:extLst>
+          </p:cNvPr>
+          <p:cNvPicPr>
+            <a:picLocks noChangeAspect="1"/>
+          </p:cNvPicPr>
+          <p:nvPr/>
+        </p:nvPicPr>
+        <p:blipFill>
+          <a:blip r:embed="rId4"/>
+          <a:stretch>
+            <a:fillRect/>
+          </a:stretch>
+        </p:blipFill>
+        <p:spPr>
+          <a:xfrm>
+            <a:off x="6349826" y="100558"/>
+            <a:ext cx="5279270" cy="3441442"/>
+          </a:xfrm>
+          <a:prstGeom prst="rect">
+            <a:avLst/>
+          </a:prstGeom>
+        </p:spPr>
+      </p:pic>
+      <p:sp>
+        <p:nvSpPr>
+          <p:cNvPr id="9" name="Date Placeholder 8">
+            <a:extLst>
+              <a:ext uri="{FF2B5EF4-FFF2-40B4-BE49-F238E27FC236}">
+                <a16:creationId xmlns:a16="http://schemas.microsoft.com/office/drawing/2014/main" id="{5B127E4A-B9AB-7C42-AB80-70DBEB32FB64}"/>
+              </a:ext>
+            </a:extLst>
+          </p:cNvPr>
+          <p:cNvSpPr>
+            <a:spLocks noGrp="1"/>
+          </p:cNvSpPr>
+          <p:nvPr>
+            <p:ph type="dt" sz="half" idx="10"/>
+          </p:nvPr>
+        </p:nvSpPr>
+        <p:spPr/>
+        <p:txBody>
+          <a:bodyPr/>
+          <a:lstStyle/>
+          <a:p>
+            <a:fld id="{76988B9F-5D24-9D42-A08E-174473A6AA9F}" type="datetime1">
+              <a:rPr lang="en-US" smtClean="0"/>
+              <a:t>9/27/24</a:t>
+            </a:fld>
+            <a:endParaRPr lang="en-KE"/>
+          </a:p>
+        </p:txBody>
+      </p:sp>
+      <p:sp>
+        <p:nvSpPr>
+          <p:cNvPr id="10" name="Slide Number Placeholder 9">
+            <a:extLst>
+              <a:ext uri="{FF2B5EF4-FFF2-40B4-BE49-F238E27FC236}">
+                <a16:creationId xmlns:a16="http://schemas.microsoft.com/office/drawing/2014/main" id="{28441497-F592-6D46-AEBF-69CC0C95002C}"/>
+              </a:ext>
+            </a:extLst>
+          </p:cNvPr>
+          <p:cNvSpPr>
+            <a:spLocks noGrp="1"/>
+          </p:cNvSpPr>
+          <p:nvPr>
+            <p:ph type="sldNum" sz="quarter" idx="12"/>
+          </p:nvPr>
+        </p:nvSpPr>
+        <p:spPr/>
+        <p:txBody>
+          <a:bodyPr/>
+          <a:lstStyle/>
+          <a:p>
+            <a:fld id="{A5834505-F213-7D40-82C5-3145D0148C0F}" type="slidenum">
+              <a:rPr lang="en-KE" smtClean="0"/>
+              <a:t>6</a:t>
+            </a:fld>
+            <a:endParaRPr lang="en-KE"/>
+          </a:p>
+        </p:txBody>
+      </p:sp>
+    </p:spTree>
+    <p:extLst>
+      <p:ext uri="{BB962C8B-B14F-4D97-AF65-F5344CB8AC3E}">
+        <p14:creationId xmlns:p14="http://schemas.microsoft.com/office/powerpoint/2010/main" val="2798542301"/>
+      </p:ext>
+    </p:extLst>
+  </p:cSld>
+  <p:clrMapOvr>
+    <a:masterClrMapping/>
+  </p:clrMapOvr>
+</p:sld>
+</file>
+
+<file path=ppt/slides/slide7.xml><?xml version="1.0" encoding="utf-8"?>
+<p:sld xmlns:a="http://schemas.openxmlformats.org/drawingml/2006/main" xmlns:r="http://schemas.openxmlformats.org/officeDocument/2006/relationships" xmlns:p="http://schemas.openxmlformats.org/presentationml/2006/main">
+  <p:cSld>
+    <p:spTree>
+      <p:nvGrpSpPr>
+        <p:cNvPr id="1" name=""/>
+        <p:cNvGrpSpPr/>
+        <p:nvPr/>
+      </p:nvGrpSpPr>
+      <p:grpSpPr>
+        <a:xfrm>
+          <a:off x="0" y="0"/>
+          <a:ext cx="0" cy="0"/>
+          <a:chOff x="0" y="0"/>
+          <a:chExt cx="0" cy="0"/>
+        </a:xfrm>
+      </p:grpSpPr>
+      <p:sp>
+        <p:nvSpPr>
+          <p:cNvPr id="2" name="Title 1">
+            <a:extLst>
+              <a:ext uri="{FF2B5EF4-FFF2-40B4-BE49-F238E27FC236}">
+                <a16:creationId xmlns:a16="http://schemas.microsoft.com/office/drawing/2014/main" id="{F9EBA06C-349B-9287-35D9-6870882A5DA0}"/>
+              </a:ext>
+            </a:extLst>
+          </p:cNvPr>
+          <p:cNvSpPr>
+            <a:spLocks noGrp="1"/>
+          </p:cNvSpPr>
+          <p:nvPr>
+            <p:ph type="title"/>
+          </p:nvPr>
+        </p:nvSpPr>
+        <p:spPr>
+          <a:xfrm>
+            <a:off x="838200" y="365125"/>
+            <a:ext cx="10515600" cy="1091035"/>
+          </a:xfrm>
+        </p:spPr>
+        <p:txBody>
+          <a:bodyPr/>
+          <a:lstStyle/>
+          <a:p>
+            <a:r>
+              <a:rPr lang="en-KE" dirty="0"/>
+              <a:t>Conclusion</a:t>
+            </a:r>
+          </a:p>
+        </p:txBody>
+      </p:sp>
+      <p:sp>
+        <p:nvSpPr>
+          <p:cNvPr id="45" name="AutoShape 2">
+            <a:extLst>
+              <a:ext uri="{FF2B5EF4-FFF2-40B4-BE49-F238E27FC236}">
+                <a16:creationId xmlns:a16="http://schemas.microsoft.com/office/drawing/2014/main" id="{2C881451-B9CF-513E-18B9-99BFC05B30D8}"/>
+              </a:ext>
+            </a:extLst>
+          </p:cNvPr>
+          <p:cNvSpPr>
+            <a:spLocks noChangeAspect="1" noChangeArrowheads="1"/>
+          </p:cNvSpPr>
+          <p:nvPr/>
+        </p:nvSpPr>
+        <p:spPr bwMode="auto">
+          <a:xfrm>
+            <a:off x="5943600" y="3276600"/>
+            <a:ext cx="304800" cy="304800"/>
+          </a:xfrm>
+          <a:prstGeom prst="rect">
+            <a:avLst/>
+          </a:prstGeom>
+          <a:noFill/>
+          <a:extLst>
+            <a:ext uri="{909E8E84-426E-40DD-AFC4-6F175D3DCCD1}">
+              <a14:hiddenFill xmlns:a14="http://schemas.microsoft.com/office/drawing/2010/main">
+                <a:solidFill>
+                  <a:srgbClr val="FFFFFF"/>
+                </a:solidFill>
+              </a14:hiddenFill>
+            </a:ext>
+          </a:extLst>
+        </p:spPr>
+        <p:txBody>
+          <a:bodyPr vert="horz" wrap="square" lIns="91440" tIns="45720" rIns="91440" bIns="45720" numCol="1" anchor="t" anchorCtr="0" compatLnSpc="1">
+            <a:prstTxWarp prst="textNoShape">
+              <a:avLst/>
+            </a:prstTxWarp>
+          </a:bodyPr>
+          <a:lstStyle/>
+          <a:p>
+            <a:endParaRPr lang="en-KE"/>
+          </a:p>
+        </p:txBody>
+      </p:sp>
+      <p:pic>
+        <p:nvPicPr>
+          <p:cNvPr id="7" name="Picture 6">
+            <a:extLst>
+              <a:ext uri="{FF2B5EF4-FFF2-40B4-BE49-F238E27FC236}">
+                <a16:creationId xmlns:a16="http://schemas.microsoft.com/office/drawing/2014/main" id="{0AB4C90F-CAF7-44B5-1594-E23FF6255A7E}"/>
+              </a:ext>
+            </a:extLst>
+          </p:cNvPr>
+          <p:cNvPicPr>
+            <a:picLocks noChangeAspect="1"/>
+          </p:cNvPicPr>
+          <p:nvPr/>
+        </p:nvPicPr>
+        <p:blipFill>
+          <a:blip r:embed="rId2"/>
+          <a:stretch>
+            <a:fillRect/>
+          </a:stretch>
+        </p:blipFill>
+        <p:spPr>
+          <a:xfrm>
+            <a:off x="4419600" y="1456160"/>
+            <a:ext cx="7772400" cy="4796259"/>
+          </a:xfrm>
+          <a:prstGeom prst="rect">
+            <a:avLst/>
+          </a:prstGeom>
+        </p:spPr>
+      </p:pic>
+      <p:sp>
+        <p:nvSpPr>
+          <p:cNvPr id="9" name="Date Placeholder 8">
+            <a:extLst>
+              <a:ext uri="{FF2B5EF4-FFF2-40B4-BE49-F238E27FC236}">
+                <a16:creationId xmlns:a16="http://schemas.microsoft.com/office/drawing/2014/main" id="{B8FE4773-7B8A-F89C-E7B3-E1AAD66376CC}"/>
+              </a:ext>
+            </a:extLst>
+          </p:cNvPr>
+          <p:cNvSpPr>
+            <a:spLocks noGrp="1"/>
+          </p:cNvSpPr>
+          <p:nvPr>
+            <p:ph type="dt" sz="half" idx="10"/>
+          </p:nvPr>
+        </p:nvSpPr>
+        <p:spPr/>
+        <p:txBody>
+          <a:bodyPr/>
+          <a:lstStyle/>
+          <a:p>
+            <a:fld id="{8071F219-84D5-E44C-BBD5-92D57FEE87F9}" type="datetime1">
+              <a:rPr lang="en-US" smtClean="0"/>
+              <a:t>9/27/24</a:t>
+            </a:fld>
+            <a:endParaRPr lang="en-KE"/>
+          </a:p>
+        </p:txBody>
+      </p:sp>
+      <p:sp>
+        <p:nvSpPr>
+          <p:cNvPr id="10" name="Slide Number Placeholder 9">
+            <a:extLst>
+              <a:ext uri="{FF2B5EF4-FFF2-40B4-BE49-F238E27FC236}">
+                <a16:creationId xmlns:a16="http://schemas.microsoft.com/office/drawing/2014/main" id="{B6CBFF02-9635-8859-58B2-4CFE76A85559}"/>
+              </a:ext>
+            </a:extLst>
+          </p:cNvPr>
+          <p:cNvSpPr>
+            <a:spLocks noGrp="1"/>
+          </p:cNvSpPr>
+          <p:nvPr>
+            <p:ph type="sldNum" sz="quarter" idx="12"/>
+          </p:nvPr>
+        </p:nvSpPr>
+        <p:spPr/>
+        <p:txBody>
+          <a:bodyPr/>
+          <a:lstStyle/>
+          <a:p>
+            <a:fld id="{A5834505-F213-7D40-82C5-3145D0148C0F}" type="slidenum">
+              <a:rPr lang="en-KE" smtClean="0"/>
+              <a:t>7</a:t>
+            </a:fld>
+            <a:endParaRPr lang="en-KE" dirty="0"/>
+          </a:p>
+        </p:txBody>
+      </p:sp>
+      <p:sp>
+        <p:nvSpPr>
+          <p:cNvPr id="11" name="TextBox 10">
+            <a:extLst>
+              <a:ext uri="{FF2B5EF4-FFF2-40B4-BE49-F238E27FC236}">
+                <a16:creationId xmlns:a16="http://schemas.microsoft.com/office/drawing/2014/main" id="{4FAC3088-1104-5B25-088A-A9A45345BDF1}"/>
+              </a:ext>
+            </a:extLst>
+          </p:cNvPr>
+          <p:cNvSpPr txBox="1"/>
+          <p:nvPr/>
+        </p:nvSpPr>
+        <p:spPr>
+          <a:xfrm>
+            <a:off x="442913" y="1900238"/>
+            <a:ext cx="3700462" cy="3693319"/>
+          </a:xfrm>
+          <a:prstGeom prst="rect">
+            <a:avLst/>
+          </a:prstGeom>
+          <a:noFill/>
+        </p:spPr>
+        <p:txBody>
+          <a:bodyPr wrap="square" rtlCol="0">
+            <a:spAutoFit/>
+          </a:bodyPr>
+          <a:lstStyle/>
+          <a:p>
+            <a:pPr marL="285750" indent="-285750">
+              <a:buFont typeface="Arial" panose="020B0604020202020204" pitchFamily="34" charset="0"/>
+              <a:buChar char="•"/>
+            </a:pPr>
+            <a:r>
+              <a:rPr lang="en-KE" sz="2200" dirty="0"/>
+              <a:t>A simple SEIR model is designed, extended and calibrated using incidence data from the DRC</a:t>
+            </a:r>
+          </a:p>
+          <a:p>
+            <a:endParaRPr lang="en-KE" sz="2200" dirty="0"/>
+          </a:p>
+          <a:p>
+            <a:pPr marL="285750" indent="-285750">
+              <a:buFont typeface="Arial" panose="020B0604020202020204" pitchFamily="34" charset="0"/>
+              <a:buChar char="•"/>
+            </a:pPr>
+            <a:r>
+              <a:rPr lang="en-GB" sz="2200" dirty="0"/>
+              <a:t>More scenario analysis would allow identifying the optimal strategy for </a:t>
+            </a:r>
+            <a:r>
+              <a:rPr lang="en-GB" sz="2200" dirty="0" err="1"/>
+              <a:t>Mpox</a:t>
+            </a:r>
+            <a:r>
+              <a:rPr lang="en-GB" sz="2200" dirty="0"/>
+              <a:t> reduction.</a:t>
+            </a:r>
+            <a:endParaRPr lang="en-KE" dirty="0"/>
+          </a:p>
+          <a:p>
+            <a:endParaRPr lang="en-KE" dirty="0"/>
+          </a:p>
+          <a:p>
+            <a:endParaRPr lang="en-KE" dirty="0"/>
+          </a:p>
+        </p:txBody>
+      </p:sp>
+    </p:spTree>
+    <p:extLst>
+      <p:ext uri="{BB962C8B-B14F-4D97-AF65-F5344CB8AC3E}">
+        <p14:creationId xmlns:p14="http://schemas.microsoft.com/office/powerpoint/2010/main" val="2903674293"/>
+      </p:ext>
+    </p:extLst>
+  </p:cSld>
+  <p:clrMapOvr>
+    <a:masterClrMapping/>
+  </p:clrMapOvr>
+</p:sld>
+</file>
+
+<file path=ppt/slides/slide8.xml><?xml version="1.0" encoding="utf-8"?>
+<p:sld xmlns:a="http://schemas.openxmlformats.org/drawingml/2006/main" xmlns:r="http://schemas.openxmlformats.org/officeDocument/2006/relationships" xmlns:p="http://schemas.openxmlformats.org/presentationml/2006/main">
+  <p:cSld>
+    <p:spTree>
+      <p:nvGrpSpPr>
+        <p:cNvPr id="1" name=""/>
+        <p:cNvGrpSpPr/>
+        <p:nvPr/>
+      </p:nvGrpSpPr>
+      <p:grpSpPr>
+        <a:xfrm>
+          <a:off x="0" y="0"/>
+          <a:ext cx="0" cy="0"/>
+          <a:chOff x="0" y="0"/>
+          <a:chExt cx="0" cy="0"/>
+        </a:xfrm>
+      </p:grpSpPr>
+      <p:sp>
+        <p:nvSpPr>
+          <p:cNvPr id="2" name="Title 1">
+            <a:extLst>
+              <a:ext uri="{FF2B5EF4-FFF2-40B4-BE49-F238E27FC236}">
+                <a16:creationId xmlns:a16="http://schemas.microsoft.com/office/drawing/2014/main" id="{E18A43BD-2D23-3627-8990-DD0DC49278A1}"/>
+              </a:ext>
+            </a:extLst>
+          </p:cNvPr>
+          <p:cNvSpPr>
+            <a:spLocks noGrp="1"/>
+          </p:cNvSpPr>
+          <p:nvPr>
+            <p:ph type="title"/>
+          </p:nvPr>
+        </p:nvSpPr>
+        <p:spPr>
+          <a:xfrm>
+            <a:off x="423863" y="432593"/>
+            <a:ext cx="10515600" cy="1325563"/>
+          </a:xfrm>
+        </p:spPr>
+        <p:txBody>
+          <a:bodyPr/>
+          <a:lstStyle/>
+          <a:p>
+            <a:pPr algn="ctr"/>
+            <a:r>
+              <a:rPr lang="en-KE" b="1" dirty="0"/>
+              <a:t>THANK YOU</a:t>
+            </a:r>
+          </a:p>
+        </p:txBody>
+      </p:sp>
+      <p:sp>
+        <p:nvSpPr>
+          <p:cNvPr id="3" name="Content Placeholder 2">
+            <a:extLst>
+              <a:ext uri="{FF2B5EF4-FFF2-40B4-BE49-F238E27FC236}">
+                <a16:creationId xmlns:a16="http://schemas.microsoft.com/office/drawing/2014/main" id="{FD735D26-04C8-EC13-676D-889E3AB92369}"/>
+              </a:ext>
+            </a:extLst>
+          </p:cNvPr>
+          <p:cNvSpPr>
+            <a:spLocks noGrp="1"/>
+          </p:cNvSpPr>
+          <p:nvPr>
+            <p:ph idx="1"/>
+          </p:nvPr>
+        </p:nvSpPr>
+        <p:spPr>
+          <a:xfrm>
+            <a:off x="838200" y="1825625"/>
+            <a:ext cx="10515600" cy="4667250"/>
+          </a:xfrm>
+        </p:spPr>
+        <p:txBody>
+          <a:bodyPr>
+            <a:normAutofit fontScale="92500" lnSpcReduction="10000"/>
+          </a:bodyPr>
+          <a:lstStyle/>
+          <a:p>
+            <a:pPr marL="0" indent="0" algn="ctr">
+              <a:buNone/>
+            </a:pPr>
+            <a:endParaRPr lang="en-GB" dirty="0"/>
+          </a:p>
+          <a:p>
+            <a:pPr marL="0" indent="0" algn="ctr">
+              <a:buNone/>
+            </a:pPr>
+            <a:endParaRPr lang="en-GB" dirty="0"/>
+          </a:p>
+          <a:p>
+            <a:pPr marL="0" indent="0" algn="ctr">
+              <a:buNone/>
+            </a:pPr>
+            <a:endParaRPr lang="en-GB" dirty="0"/>
+          </a:p>
+          <a:p>
+            <a:pPr marL="0" indent="0" algn="ctr">
+              <a:buNone/>
+            </a:pPr>
+            <a:endParaRPr lang="en-GB" dirty="0"/>
+          </a:p>
+          <a:p>
+            <a:pPr marL="0" indent="0" algn="ctr">
+              <a:buNone/>
+            </a:pPr>
+            <a:endParaRPr lang="en-GB" dirty="0"/>
+          </a:p>
+          <a:p>
+            <a:pPr marL="0" indent="0" algn="ctr">
+              <a:buNone/>
+            </a:pPr>
+            <a:endParaRPr lang="en-GB" dirty="0"/>
+          </a:p>
+          <a:p>
+            <a:pPr marL="0" indent="0" algn="ctr">
+              <a:buNone/>
+            </a:pPr>
+            <a:endParaRPr lang="en-GB" dirty="0"/>
+          </a:p>
+          <a:p>
+            <a:pPr marL="0" indent="0" algn="ctr">
+              <a:buNone/>
+            </a:pPr>
+            <a:endParaRPr lang="en-GB" dirty="0">
+              <a:solidFill>
+                <a:srgbClr val="0070C0"/>
+              </a:solidFill>
+            </a:endParaRPr>
+          </a:p>
+          <a:p>
+            <a:pPr marL="0" indent="0" algn="ctr">
+              <a:buNone/>
+            </a:pPr>
+            <a:endParaRPr lang="en-GB" dirty="0">
+              <a:solidFill>
+                <a:srgbClr val="0070C0"/>
+              </a:solidFill>
+            </a:endParaRPr>
+          </a:p>
+          <a:p>
+            <a:pPr marL="0" indent="0" algn="ctr">
+              <a:buNone/>
+            </a:pPr>
+            <a:r>
+              <a:rPr lang="en-GB" dirty="0">
+                <a:solidFill>
+                  <a:srgbClr val="0070C0"/>
+                </a:solidFill>
+              </a:rPr>
+              <a:t>https://</a:t>
+            </a:r>
+            <a:r>
+              <a:rPr lang="en-GB" dirty="0" err="1">
+                <a:solidFill>
+                  <a:srgbClr val="0070C0"/>
+                </a:solidFill>
+              </a:rPr>
+              <a:t>github.com</a:t>
+            </a:r>
+            <a:r>
+              <a:rPr lang="en-GB" dirty="0">
+                <a:solidFill>
+                  <a:srgbClr val="0070C0"/>
+                </a:solidFill>
+              </a:rPr>
+              <a:t>/</a:t>
+            </a:r>
+            <a:r>
+              <a:rPr lang="en-GB" dirty="0" err="1">
+                <a:solidFill>
+                  <a:srgbClr val="0070C0"/>
+                </a:solidFill>
+              </a:rPr>
+              <a:t>Charnadata</a:t>
+            </a:r>
+            <a:r>
+              <a:rPr lang="en-GB" dirty="0">
+                <a:solidFill>
+                  <a:srgbClr val="0070C0"/>
+                </a:solidFill>
+              </a:rPr>
+              <a:t>/Group-6.git</a:t>
+            </a:r>
+            <a:endParaRPr lang="en-KE" dirty="0">
+              <a:solidFill>
+                <a:srgbClr val="0070C0"/>
+              </a:solidFill>
+            </a:endParaRPr>
+          </a:p>
+        </p:txBody>
+      </p:sp>
+      <p:sp>
+        <p:nvSpPr>
+          <p:cNvPr id="4" name="Date Placeholder 3">
+            <a:extLst>
+              <a:ext uri="{FF2B5EF4-FFF2-40B4-BE49-F238E27FC236}">
+                <a16:creationId xmlns:a16="http://schemas.microsoft.com/office/drawing/2014/main" id="{4235B1F5-69BF-1781-F3A0-1228ABAD335C}"/>
+              </a:ext>
+            </a:extLst>
+          </p:cNvPr>
+          <p:cNvSpPr>
+            <a:spLocks noGrp="1"/>
+          </p:cNvSpPr>
+          <p:nvPr>
+            <p:ph type="dt" sz="half" idx="10"/>
+          </p:nvPr>
+        </p:nvSpPr>
+        <p:spPr/>
+        <p:txBody>
+          <a:bodyPr/>
+          <a:lstStyle/>
+          <a:p>
+            <a:fld id="{2A21A63D-8FF3-5447-9B30-D50B7CAD9A25}" type="datetime1">
+              <a:rPr lang="en-US" smtClean="0"/>
+              <a:t>9/27/24</a:t>
+            </a:fld>
+            <a:endParaRPr lang="en-KE"/>
+          </a:p>
+        </p:txBody>
+      </p:sp>
+      <p:sp>
+        <p:nvSpPr>
+          <p:cNvPr id="5" name="Slide Number Placeholder 4">
+            <a:extLst>
+              <a:ext uri="{FF2B5EF4-FFF2-40B4-BE49-F238E27FC236}">
+                <a16:creationId xmlns:a16="http://schemas.microsoft.com/office/drawing/2014/main" id="{B32FFEC3-485F-5FEC-28F7-14D3BA52CAA7}"/>
+              </a:ext>
+            </a:extLst>
+          </p:cNvPr>
+          <p:cNvSpPr>
+            <a:spLocks noGrp="1"/>
+          </p:cNvSpPr>
+          <p:nvPr>
+            <p:ph type="sldNum" sz="quarter" idx="12"/>
+          </p:nvPr>
+        </p:nvSpPr>
+        <p:spPr/>
+        <p:txBody>
+          <a:bodyPr/>
+          <a:lstStyle/>
+          <a:p>
+            <a:fld id="{A5834505-F213-7D40-82C5-3145D0148C0F}" type="slidenum">
+              <a:rPr lang="en-KE" smtClean="0"/>
+              <a:t>8</a:t>
+            </a:fld>
+            <a:endParaRPr lang="en-KE"/>
+          </a:p>
+        </p:txBody>
+      </p:sp>
+      <p:pic>
+        <p:nvPicPr>
+          <p:cNvPr id="7" name="Picture 6" descr="A group of people standing together&#10;&#10;Description automatically generated">
+            <a:extLst>
+              <a:ext uri="{FF2B5EF4-FFF2-40B4-BE49-F238E27FC236}">
+                <a16:creationId xmlns:a16="http://schemas.microsoft.com/office/drawing/2014/main" id="{A901A3CB-467C-59DB-2E8B-CBCBC3147B34}"/>
+              </a:ext>
+            </a:extLst>
+          </p:cNvPr>
+          <p:cNvPicPr>
+            <a:picLocks noChangeAspect="1"/>
+          </p:cNvPicPr>
+          <p:nvPr/>
+        </p:nvPicPr>
+        <p:blipFill>
+          <a:blip r:embed="rId2"/>
+          <a:stretch>
+            <a:fillRect/>
+          </a:stretch>
+        </p:blipFill>
+        <p:spPr>
+          <a:xfrm>
+            <a:off x="3333750" y="1690688"/>
+            <a:ext cx="5276850" cy="3947866"/>
           </a:xfrm>
           <a:prstGeom prst="rect">
             <a:avLst/>
@@ -6522,7 +9759,7 @@
     </p:spTree>
     <p:extLst>
       <p:ext uri="{BB962C8B-B14F-4D97-AF65-F5344CB8AC3E}">
-        <p14:creationId xmlns:p14="http://schemas.microsoft.com/office/powerpoint/2010/main" val="2798542301"/>
+        <p14:creationId xmlns:p14="http://schemas.microsoft.com/office/powerpoint/2010/main" val="62808199"/>
       </p:ext>
     </p:extLst>
   </p:cSld>
@@ -6825,4 +10062,299 @@
     </a:ext>
   </a:extLst>
 </a:theme>
+</file>
+
+<file path=ppt/theme/theme2.xml><?xml version="1.0" encoding="utf-8"?>
+<a:theme xmlns:a="http://schemas.openxmlformats.org/drawingml/2006/main" name="Office Theme">
+  <a:themeElements>
+    <a:clrScheme name="Office">
+      <a:dk1>
+        <a:sysClr val="windowText" lastClr="000000"/>
+      </a:dk1>
+      <a:lt1>
+        <a:sysClr val="window" lastClr="FFFFFF"/>
+      </a:lt1>
+      <a:dk2>
+        <a:srgbClr val="44546A"/>
+      </a:dk2>
+      <a:lt2>
+        <a:srgbClr val="E7E6E6"/>
+      </a:lt2>
+      <a:accent1>
+        <a:srgbClr val="4472C4"/>
+      </a:accent1>
+      <a:accent2>
+        <a:srgbClr val="ED7D31"/>
+      </a:accent2>
+      <a:accent3>
+        <a:srgbClr val="A5A5A5"/>
+      </a:accent3>
+      <a:accent4>
+        <a:srgbClr val="FFC000"/>
+      </a:accent4>
+      <a:accent5>
+        <a:srgbClr val="5B9BD5"/>
+      </a:accent5>
+      <a:accent6>
+        <a:srgbClr val="70AD47"/>
+      </a:accent6>
+      <a:hlink>
+        <a:srgbClr val="0563C1"/>
+      </a:hlink>
+      <a:folHlink>
+        <a:srgbClr val="954F72"/>
+      </a:folHlink>
+    </a:clrScheme>
+    <a:fontScheme name="Office">
+      <a:majorFont>
+        <a:latin typeface="Calibri Light" panose="020F0302020204030204"/>
+        <a:ea typeface=""/>
+        <a:cs typeface=""/>
+        <a:font script="Jpan" typeface="游ゴシック Light"/>
+        <a:font script="Hang" typeface="맑은 고딕"/>
+        <a:font script="Hans" typeface="等线 Light"/>
+        <a:font script="Hant" typeface="新細明體"/>
+        <a:font script="Arab" typeface="Times New Roman"/>
+        <a:font script="Hebr" typeface="Times New Roman"/>
+        <a:font script="Thai" typeface="Angsana New"/>
+        <a:font script="Ethi" typeface="Nyala"/>
+        <a:font script="Beng" typeface="Vrinda"/>
+        <a:font script="Gujr" typeface="Shruti"/>
+        <a:font script="Khmr" typeface="MoolBoran"/>
+        <a:font script="Knda" typeface="Tunga"/>
+        <a:font script="Guru" typeface="Raavi"/>
+        <a:font script="Cans" typeface="Euphemia"/>
+        <a:font script="Cher" typeface="Plantagenet Cherokee"/>
+        <a:font script="Yiii" typeface="Microsoft Yi Baiti"/>
+        <a:font script="Tibt" typeface="Microsoft Himalaya"/>
+        <a:font script="Thaa" typeface="MV Boli"/>
+        <a:font script="Deva" typeface="Mangal"/>
+        <a:font script="Telu" typeface="Gautami"/>
+        <a:font script="Taml" typeface="Latha"/>
+        <a:font script="Syrc" typeface="Estrangelo Edessa"/>
+        <a:font script="Orya" typeface="Kalinga"/>
+        <a:font script="Mlym" typeface="Kartika"/>
+        <a:font script="Laoo" typeface="DokChampa"/>
+        <a:font script="Sinh" typeface="Iskoola Pota"/>
+        <a:font script="Mong" typeface="Mongolian Baiti"/>
+        <a:font script="Viet" typeface="Times New Roman"/>
+        <a:font script="Uigh" typeface="Microsoft Uighur"/>
+        <a:font script="Geor" typeface="Sylfaen"/>
+        <a:font script="Armn" typeface="Arial"/>
+        <a:font script="Bugi" typeface="Leelawadee UI"/>
+        <a:font script="Bopo" typeface="Microsoft JhengHei"/>
+        <a:font script="Java" typeface="Javanese Text"/>
+        <a:font script="Lisu" typeface="Segoe UI"/>
+        <a:font script="Mymr" typeface="Myanmar Text"/>
+        <a:font script="Nkoo" typeface="Ebrima"/>
+        <a:font script="Olck" typeface="Nirmala UI"/>
+        <a:font script="Osma" typeface="Ebrima"/>
+        <a:font script="Phag" typeface="Phagspa"/>
+        <a:font script="Syrn" typeface="Estrangelo Edessa"/>
+        <a:font script="Syrj" typeface="Estrangelo Edessa"/>
+        <a:font script="Syre" typeface="Estrangelo Edessa"/>
+        <a:font script="Sora" typeface="Nirmala UI"/>
+        <a:font script="Tale" typeface="Microsoft Tai Le"/>
+        <a:font script="Talu" typeface="Microsoft New Tai Lue"/>
+        <a:font script="Tfng" typeface="Ebrima"/>
+      </a:majorFont>
+      <a:minorFont>
+        <a:latin typeface="Calibri" panose="020F0502020204030204"/>
+        <a:ea typeface=""/>
+        <a:cs typeface=""/>
+        <a:font script="Jpan" typeface="游ゴシック"/>
+        <a:font script="Hang" typeface="맑은 고딕"/>
+        <a:font script="Hans" typeface="等线"/>
+        <a:font script="Hant" typeface="新細明體"/>
+        <a:font script="Arab" typeface="Arial"/>
+        <a:font script="Hebr" typeface="Arial"/>
+        <a:font script="Thai" typeface="Cordia New"/>
+        <a:font script="Ethi" typeface="Nyala"/>
+        <a:font script="Beng" typeface="Vrinda"/>
+        <a:font script="Gujr" typeface="Shruti"/>
+        <a:font script="Khmr" typeface="DaunPenh"/>
+        <a:font script="Knda" typeface="Tunga"/>
+        <a:font script="Guru" typeface="Raavi"/>
+        <a:font script="Cans" typeface="Euphemia"/>
+        <a:font script="Cher" typeface="Plantagenet Cherokee"/>
+        <a:font script="Yiii" typeface="Microsoft Yi Baiti"/>
+        <a:font script="Tibt" typeface="Microsoft Himalaya"/>
+        <a:font script="Thaa" typeface="MV Boli"/>
+        <a:font script="Deva" typeface="Mangal"/>
+        <a:font script="Telu" typeface="Gautami"/>
+        <a:font script="Taml" typeface="Latha"/>
+        <a:font script="Syrc" typeface="Estrangelo Edessa"/>
+        <a:font script="Orya" typeface="Kalinga"/>
+        <a:font script="Mlym" typeface="Kartika"/>
+        <a:font script="Laoo" typeface="DokChampa"/>
+        <a:font script="Sinh" typeface="Iskoola Pota"/>
+        <a:font script="Mong" typeface="Mongolian Baiti"/>
+        <a:font script="Viet" typeface="Arial"/>
+        <a:font script="Uigh" typeface="Microsoft Uighur"/>
+        <a:font script="Geor" typeface="Sylfaen"/>
+        <a:font script="Armn" typeface="Arial"/>
+        <a:font script="Bugi" typeface="Leelawadee UI"/>
+        <a:font script="Bopo" typeface="Microsoft JhengHei"/>
+        <a:font script="Java" typeface="Javanese Text"/>
+        <a:font script="Lisu" typeface="Segoe UI"/>
+        <a:font script="Mymr" typeface="Myanmar Text"/>
+        <a:font script="Nkoo" typeface="Ebrima"/>
+        <a:font script="Olck" typeface="Nirmala UI"/>
+        <a:font script="Osma" typeface="Ebrima"/>
+        <a:font script="Phag" typeface="Phagspa"/>
+        <a:font script="Syrn" typeface="Estrangelo Edessa"/>
+        <a:font script="Syrj" typeface="Estrangelo Edessa"/>
+        <a:font script="Syre" typeface="Estrangelo Edessa"/>
+        <a:font script="Sora" typeface="Nirmala UI"/>
+        <a:font script="Tale" typeface="Microsoft Tai Le"/>
+        <a:font script="Talu" typeface="Microsoft New Tai Lue"/>
+        <a:font script="Tfng" typeface="Ebrima"/>
+      </a:minorFont>
+    </a:fontScheme>
+    <a:fmtScheme name="Office">
+      <a:fillStyleLst>
+        <a:solidFill>
+          <a:schemeClr val="phClr"/>
+        </a:solidFill>
+        <a:gradFill rotWithShape="1">
+          <a:gsLst>
+            <a:gs pos="0">
+              <a:schemeClr val="phClr">
+                <a:lumMod val="110000"/>
+                <a:satMod val="105000"/>
+                <a:tint val="67000"/>
+              </a:schemeClr>
+            </a:gs>
+            <a:gs pos="50000">
+              <a:schemeClr val="phClr">
+                <a:lumMod val="105000"/>
+                <a:satMod val="103000"/>
+                <a:tint val="73000"/>
+              </a:schemeClr>
+            </a:gs>
+            <a:gs pos="100000">
+              <a:schemeClr val="phClr">
+                <a:lumMod val="105000"/>
+                <a:satMod val="109000"/>
+                <a:tint val="81000"/>
+              </a:schemeClr>
+            </a:gs>
+          </a:gsLst>
+          <a:lin ang="5400000" scaled="0"/>
+        </a:gradFill>
+        <a:gradFill rotWithShape="1">
+          <a:gsLst>
+            <a:gs pos="0">
+              <a:schemeClr val="phClr">
+                <a:satMod val="103000"/>
+                <a:lumMod val="102000"/>
+                <a:tint val="94000"/>
+              </a:schemeClr>
+            </a:gs>
+            <a:gs pos="50000">
+              <a:schemeClr val="phClr">
+                <a:satMod val="110000"/>
+                <a:lumMod val="100000"/>
+                <a:shade val="100000"/>
+              </a:schemeClr>
+            </a:gs>
+            <a:gs pos="100000">
+              <a:schemeClr val="phClr">
+                <a:lumMod val="99000"/>
+                <a:satMod val="120000"/>
+                <a:shade val="78000"/>
+              </a:schemeClr>
+            </a:gs>
+          </a:gsLst>
+          <a:lin ang="5400000" scaled="0"/>
+        </a:gradFill>
+      </a:fillStyleLst>
+      <a:lnStyleLst>
+        <a:ln w="6350" cap="flat" cmpd="sng" algn="ctr">
+          <a:solidFill>
+            <a:schemeClr val="phClr"/>
+          </a:solidFill>
+          <a:prstDash val="solid"/>
+          <a:miter lim="800000"/>
+        </a:ln>
+        <a:ln w="12700" cap="flat" cmpd="sng" algn="ctr">
+          <a:solidFill>
+            <a:schemeClr val="phClr"/>
+          </a:solidFill>
+          <a:prstDash val="solid"/>
+          <a:miter lim="800000"/>
+        </a:ln>
+        <a:ln w="19050" cap="flat" cmpd="sng" algn="ctr">
+          <a:solidFill>
+            <a:schemeClr val="phClr"/>
+          </a:solidFill>
+          <a:prstDash val="solid"/>
+          <a:miter lim="800000"/>
+        </a:ln>
+      </a:lnStyleLst>
+      <a:effectStyleLst>
+        <a:effectStyle>
+          <a:effectLst/>
+        </a:effectStyle>
+        <a:effectStyle>
+          <a:effectLst/>
+        </a:effectStyle>
+        <a:effectStyle>
+          <a:effectLst>
+            <a:outerShdw blurRad="57150" dist="19050" dir="5400000" algn="ctr" rotWithShape="0">
+              <a:srgbClr val="000000">
+                <a:alpha val="63000"/>
+              </a:srgbClr>
+            </a:outerShdw>
+          </a:effectLst>
+        </a:effectStyle>
+      </a:effectStyleLst>
+      <a:bgFillStyleLst>
+        <a:solidFill>
+          <a:schemeClr val="phClr"/>
+        </a:solidFill>
+        <a:solidFill>
+          <a:schemeClr val="phClr">
+            <a:tint val="95000"/>
+            <a:satMod val="170000"/>
+          </a:schemeClr>
+        </a:solidFill>
+        <a:gradFill rotWithShape="1">
+          <a:gsLst>
+            <a:gs pos="0">
+              <a:schemeClr val="phClr">
+                <a:tint val="93000"/>
+                <a:satMod val="150000"/>
+                <a:shade val="98000"/>
+                <a:lumMod val="102000"/>
+              </a:schemeClr>
+            </a:gs>
+            <a:gs pos="50000">
+              <a:schemeClr val="phClr">
+                <a:tint val="98000"/>
+                <a:satMod val="130000"/>
+                <a:shade val="90000"/>
+                <a:lumMod val="103000"/>
+              </a:schemeClr>
+            </a:gs>
+            <a:gs pos="100000">
+              <a:schemeClr val="phClr">
+                <a:shade val="63000"/>
+                <a:satMod val="120000"/>
+              </a:schemeClr>
+            </a:gs>
+          </a:gsLst>
+          <a:lin ang="5400000" scaled="0"/>
+        </a:gradFill>
+      </a:bgFillStyleLst>
+    </a:fmtScheme>
+  </a:themeElements>
+  <a:objectDefaults/>
+  <a:extraClrSchemeLst/>
+  <a:extLst>
+    <a:ext uri="{05A4C25C-085E-4340-85A3-A5531E510DB2}">
+      <thm15:themeFamily xmlns:thm15="http://schemas.microsoft.com/office/thememl/2012/main" name="Office Theme" id="{62F939B6-93AF-4DB8-9C6B-D6C7DFDC589F}" vid="{4A3C46E8-61CC-4603-A589-7422A47A8E4A}"/>
+    </a:ext>
+  </a:extLst>
+</a:theme>
 </file>